--- a/2. MQL Viewer - README.pptx
+++ b/2. MQL Viewer - README.pptx
@@ -2239,10 +2239,10 @@
           <p:nvPr userDrawn="1"/>
         </p:nvPicPr>
         <p:blipFill rotWithShape="1">
-          <a:blip r:embed="rId2" cstate="print">
+          <a:blip r:embed="rId2" cstate="screen">
             <a:extLst>
               <a:ext uri="{28A0092B-C50C-407E-A947-70E740481C1C}">
-                <a14:useLocalDpi xmlns:a14="http://schemas.microsoft.com/office/drawing/2010/main" val="0"/>
+                <a14:useLocalDpi xmlns:a14="http://schemas.microsoft.com/office/drawing/2010/main"/>
               </a:ext>
             </a:extLst>
           </a:blip>
@@ -2413,10 +2413,10 @@
           <p:nvPr userDrawn="1"/>
         </p:nvPicPr>
         <p:blipFill rotWithShape="1">
-          <a:blip r:embed="rId2" cstate="print">
+          <a:blip r:embed="rId2" cstate="screen">
             <a:extLst>
               <a:ext uri="{28A0092B-C50C-407E-A947-70E740481C1C}">
-                <a14:useLocalDpi xmlns:a14="http://schemas.microsoft.com/office/drawing/2010/main" val="0"/>
+                <a14:useLocalDpi xmlns:a14="http://schemas.microsoft.com/office/drawing/2010/main"/>
               </a:ext>
             </a:extLst>
           </a:blip>
@@ -2532,7 +2532,7 @@
                 <a:gridCol w="9578290">
                   <a:extLst>
                     <a:ext uri="{9D8B030D-6E8A-4147-A177-3AD203B41FA5}">
-                      <a16:colId xmlns="" xmlns:a16="http://schemas.microsoft.com/office/drawing/2014/main" val="20000"/>
+                      <a16:colId xmlns:a16="http://schemas.microsoft.com/office/drawing/2014/main" xmlns="" val="20000"/>
                     </a:ext>
                   </a:extLst>
                 </a:gridCol>
@@ -2711,7 +2711,7 @@
                 </a:tc>
                 <a:extLst>
                   <a:ext uri="{0D108BD9-81ED-4DB2-BD59-A6C34878D82A}">
-                    <a16:rowId xmlns="" xmlns:a16="http://schemas.microsoft.com/office/drawing/2014/main" val="10002"/>
+                    <a16:rowId xmlns:a16="http://schemas.microsoft.com/office/drawing/2014/main" xmlns="" val="10002"/>
                   </a:ext>
                 </a:extLst>
               </a:tr>
@@ -2871,7 +2871,7 @@
                 </a:tc>
                 <a:extLst>
                   <a:ext uri="{0D108BD9-81ED-4DB2-BD59-A6C34878D82A}">
-                    <a16:rowId xmlns="" xmlns:a16="http://schemas.microsoft.com/office/drawing/2014/main" val="10003"/>
+                    <a16:rowId xmlns:a16="http://schemas.microsoft.com/office/drawing/2014/main" xmlns="" val="10003"/>
                   </a:ext>
                 </a:extLst>
               </a:tr>
@@ -3679,10 +3679,10 @@
           <p:nvPr userDrawn="1"/>
         </p:nvPicPr>
         <p:blipFill>
-          <a:blip r:embed="rId4" cstate="print">
+          <a:blip r:embed="rId4" cstate="screen">
             <a:extLst>
               <a:ext uri="{28A0092B-C50C-407E-A947-70E740481C1C}">
-                <a14:useLocalDpi xmlns:a14="http://schemas.microsoft.com/office/drawing/2010/main" val="0"/>
+                <a14:useLocalDpi xmlns:a14="http://schemas.microsoft.com/office/drawing/2010/main"/>
               </a:ext>
             </a:extLst>
           </a:blip>
@@ -4139,10 +4139,10 @@
           <p:nvPr/>
         </p:nvPicPr>
         <p:blipFill>
-          <a:blip r:embed="rId3" cstate="print">
+          <a:blip r:embed="rId3" cstate="screen">
             <a:extLst>
               <a:ext uri="{28A0092B-C50C-407E-A947-70E740481C1C}">
-                <a14:useLocalDpi xmlns:a14="http://schemas.microsoft.com/office/drawing/2010/main" val="0"/>
+                <a14:useLocalDpi xmlns:a14="http://schemas.microsoft.com/office/drawing/2010/main"/>
               </a:ext>
             </a:extLst>
           </a:blip>
@@ -4505,7 +4505,13 @@
           <p:nvPr/>
         </p:nvPicPr>
         <p:blipFill>
-          <a:blip r:embed="rId3"/>
+          <a:blip r:embed="rId3" cstate="email">
+            <a:extLst>
+              <a:ext uri="{28A0092B-C50C-407E-A947-70E740481C1C}">
+                <a14:useLocalDpi xmlns:a14="http://schemas.microsoft.com/office/drawing/2010/main"/>
+              </a:ext>
+            </a:extLst>
+          </a:blip>
           <a:stretch>
             <a:fillRect/>
           </a:stretch>
@@ -4608,7 +4614,7 @@
           <p:cNvPr id="15" name="TextBox 14">
             <a:extLst>
               <a:ext uri="{FF2B5EF4-FFF2-40B4-BE49-F238E27FC236}">
-                <a16:creationId xmlns="" xmlns:a16="http://schemas.microsoft.com/office/drawing/2014/main" id="{5A69657B-5773-41EF-98A0-8A9B15AF419B}"/>
+                <a16:creationId xmlns:a16="http://schemas.microsoft.com/office/drawing/2014/main" xmlns="" id="{5A69657B-5773-41EF-98A0-8A9B15AF419B}"/>
               </a:ext>
             </a:extLst>
           </p:cNvPr>
@@ -6171,7 +6177,13 @@
           <p:nvPr/>
         </p:nvPicPr>
         <p:blipFill>
-          <a:blip r:embed="rId4"/>
+          <a:blip r:embed="rId4" cstate="email">
+            <a:extLst>
+              <a:ext uri="{28A0092B-C50C-407E-A947-70E740481C1C}">
+                <a14:useLocalDpi xmlns:a14="http://schemas.microsoft.com/office/drawing/2010/main"/>
+              </a:ext>
+            </a:extLst>
+          </a:blip>
           <a:stretch>
             <a:fillRect/>
           </a:stretch>
@@ -6241,7 +6253,13 @@
           <p:nvPr/>
         </p:nvPicPr>
         <p:blipFill>
-          <a:blip r:embed="rId5"/>
+          <a:blip r:embed="rId5" cstate="screen">
+            <a:extLst>
+              <a:ext uri="{28A0092B-C50C-407E-A947-70E740481C1C}">
+                <a14:useLocalDpi xmlns:a14="http://schemas.microsoft.com/office/drawing/2010/main"/>
+              </a:ext>
+            </a:extLst>
+          </a:blip>
           <a:stretch>
             <a:fillRect/>
           </a:stretch>
@@ -6406,7 +6424,13 @@
           <p:nvPr/>
         </p:nvPicPr>
         <p:blipFill>
-          <a:blip r:embed="rId3"/>
+          <a:blip r:embed="rId3" cstate="screen">
+            <a:extLst>
+              <a:ext uri="{28A0092B-C50C-407E-A947-70E740481C1C}">
+                <a14:useLocalDpi xmlns:a14="http://schemas.microsoft.com/office/drawing/2010/main"/>
+              </a:ext>
+            </a:extLst>
+          </a:blip>
           <a:stretch>
             <a:fillRect/>
           </a:stretch>
@@ -6509,7 +6533,7 @@
           <p:cNvPr id="15" name="TextBox 14">
             <a:extLst>
               <a:ext uri="{FF2B5EF4-FFF2-40B4-BE49-F238E27FC236}">
-                <a16:creationId xmlns="" xmlns:a16="http://schemas.microsoft.com/office/drawing/2014/main" id="{5A69657B-5773-41EF-98A0-8A9B15AF419B}"/>
+                <a16:creationId xmlns:a16="http://schemas.microsoft.com/office/drawing/2014/main" xmlns="" id="{5A69657B-5773-41EF-98A0-8A9B15AF419B}"/>
               </a:ext>
             </a:extLst>
           </p:cNvPr>
@@ -7392,7 +7416,13 @@
           <p:nvPr/>
         </p:nvPicPr>
         <p:blipFill>
-          <a:blip r:embed="rId3"/>
+          <a:blip r:embed="rId3" cstate="screen">
+            <a:extLst>
+              <a:ext uri="{28A0092B-C50C-407E-A947-70E740481C1C}">
+                <a14:useLocalDpi xmlns:a14="http://schemas.microsoft.com/office/drawing/2010/main"/>
+              </a:ext>
+            </a:extLst>
+          </a:blip>
           <a:stretch>
             <a:fillRect/>
           </a:stretch>
@@ -7495,7 +7525,7 @@
           <p:cNvPr id="15" name="TextBox 14">
             <a:extLst>
               <a:ext uri="{FF2B5EF4-FFF2-40B4-BE49-F238E27FC236}">
-                <a16:creationId xmlns="" xmlns:a16="http://schemas.microsoft.com/office/drawing/2014/main" id="{5A69657B-5773-41EF-98A0-8A9B15AF419B}"/>
+                <a16:creationId xmlns:a16="http://schemas.microsoft.com/office/drawing/2014/main" xmlns="" id="{5A69657B-5773-41EF-98A0-8A9B15AF419B}"/>
               </a:ext>
             </a:extLst>
           </p:cNvPr>
@@ -8414,7 +8444,13 @@
           <p:nvPr/>
         </p:nvPicPr>
         <p:blipFill>
-          <a:blip r:embed="rId3"/>
+          <a:blip r:embed="rId3" cstate="email">
+            <a:extLst>
+              <a:ext uri="{28A0092B-C50C-407E-A947-70E740481C1C}">
+                <a14:useLocalDpi xmlns:a14="http://schemas.microsoft.com/office/drawing/2010/main"/>
+              </a:ext>
+            </a:extLst>
+          </a:blip>
           <a:stretch>
             <a:fillRect/>
           </a:stretch>
@@ -8517,7 +8553,7 @@
           <p:cNvPr id="15" name="TextBox 14">
             <a:extLst>
               <a:ext uri="{FF2B5EF4-FFF2-40B4-BE49-F238E27FC236}">
-                <a16:creationId xmlns="" xmlns:a16="http://schemas.microsoft.com/office/drawing/2014/main" id="{5A69657B-5773-41EF-98A0-8A9B15AF419B}"/>
+                <a16:creationId xmlns:a16="http://schemas.microsoft.com/office/drawing/2014/main" xmlns="" id="{5A69657B-5773-41EF-98A0-8A9B15AF419B}"/>
               </a:ext>
             </a:extLst>
           </p:cNvPr>
@@ -9888,7 +9924,13 @@
           <p:nvPr/>
         </p:nvPicPr>
         <p:blipFill>
-          <a:blip r:embed="rId4"/>
+          <a:blip r:embed="rId4" cstate="email">
+            <a:extLst>
+              <a:ext uri="{28A0092B-C50C-407E-A947-70E740481C1C}">
+                <a14:useLocalDpi xmlns:a14="http://schemas.microsoft.com/office/drawing/2010/main"/>
+              </a:ext>
+            </a:extLst>
+          </a:blip>
           <a:stretch>
             <a:fillRect/>
           </a:stretch>
@@ -10059,7 +10101,13 @@
           <p:nvPr/>
         </p:nvPicPr>
         <p:blipFill>
-          <a:blip r:embed="rId5"/>
+          <a:blip r:embed="rId5" cstate="screen">
+            <a:extLst>
+              <a:ext uri="{28A0092B-C50C-407E-A947-70E740481C1C}">
+                <a14:useLocalDpi xmlns:a14="http://schemas.microsoft.com/office/drawing/2010/main"/>
+              </a:ext>
+            </a:extLst>
+          </a:blip>
           <a:stretch>
             <a:fillRect/>
           </a:stretch>
@@ -10118,22 +10166,21 @@
       </p:grpSpPr>
       <p:pic>
         <p:nvPicPr>
-          <p:cNvPr id="6" name="그림 5"/>
+          <p:cNvPr id="7" name="그림 6"/>
           <p:cNvPicPr>
             <a:picLocks noChangeAspect="1"/>
           </p:cNvPicPr>
           <p:nvPr/>
         </p:nvPicPr>
-        <p:blipFill>
+        <p:blipFill rotWithShape="1">
           <a:blip r:embed="rId3"/>
-          <a:stretch>
-            <a:fillRect/>
-          </a:stretch>
+          <a:srcRect r="37664" b="26140"/>
+          <a:stretch/>
         </p:blipFill>
         <p:spPr>
           <a:xfrm>
-            <a:off x="299519" y="1110280"/>
-            <a:ext cx="6970945" cy="4661011"/>
+            <a:off x="251385" y="1129741"/>
+            <a:ext cx="7078553" cy="4717708"/>
           </a:xfrm>
           <a:prstGeom prst="rect">
             <a:avLst/>
@@ -10228,7 +10275,7 @@
           <p:cNvPr id="15" name="TextBox 14">
             <a:extLst>
               <a:ext uri="{FF2B5EF4-FFF2-40B4-BE49-F238E27FC236}">
-                <a16:creationId xmlns="" xmlns:a16="http://schemas.microsoft.com/office/drawing/2014/main" id="{5A69657B-5773-41EF-98A0-8A9B15AF419B}"/>
+                <a16:creationId xmlns:a16="http://schemas.microsoft.com/office/drawing/2014/main" xmlns="" id="{5A69657B-5773-41EF-98A0-8A9B15AF419B}"/>
               </a:ext>
             </a:extLst>
           </p:cNvPr>
@@ -10274,7 +10321,7 @@
             </a:endParaRPr>
           </a:p>
           <a:p>
-            <a:pPr marL="228600" indent="-228600" defTabSz="540000" fontAlgn="auto">
+            <a:pPr marL="228600" indent="-180000" defTabSz="540000" fontAlgn="auto">
               <a:lnSpc>
                 <a:spcPct val="100000"/>
               </a:lnSpc>
@@ -10300,7 +10347,7 @@
             </a:r>
           </a:p>
           <a:p>
-            <a:pPr marL="432000" lvl="1" indent="-228600" defTabSz="540000" fontAlgn="auto">
+            <a:pPr marL="432000" lvl="1" indent="-180000" defTabSz="540000" fontAlgn="auto">
               <a:lnSpc>
                 <a:spcPct val="100000"/>
               </a:lnSpc>
@@ -10343,7 +10390,7 @@
             </a:endParaRPr>
           </a:p>
           <a:p>
-            <a:pPr marL="432000" lvl="1" indent="-228600" defTabSz="540000" fontAlgn="auto">
+            <a:pPr marL="432000" lvl="1" indent="-180000" defTabSz="540000" fontAlgn="auto">
               <a:lnSpc>
                 <a:spcPct val="100000"/>
               </a:lnSpc>
@@ -10399,7 +10446,7 @@
             </a:r>
           </a:p>
           <a:p>
-            <a:pPr marL="432000" lvl="1" indent="-228600" defTabSz="540000" fontAlgn="auto">
+            <a:pPr marL="432000" lvl="1" indent="-180000" defTabSz="540000" fontAlgn="auto">
               <a:lnSpc>
                 <a:spcPct val="100000"/>
               </a:lnSpc>
@@ -10448,7 +10495,7 @@
             </a:endParaRPr>
           </a:p>
           <a:p>
-            <a:pPr indent="-243610" defTabSz="540000" fontAlgn="auto">
+            <a:pPr indent="-180000" defTabSz="540000" fontAlgn="auto">
               <a:lnSpc>
                 <a:spcPct val="100000"/>
               </a:lnSpc>
@@ -10463,7 +10510,7 @@
               <a:buAutoNum type="arabicPeriod"/>
             </a:pPr>
             <a:r>
-              <a:rPr kumimoji="0" lang="en-US" altLang="ko-KR" sz="900" b="0" dirty="0" smtClean="0">
+              <a:rPr kumimoji="0" lang="en-US" altLang="ko-KR" sz="900" b="0" dirty="0">
                 <a:solidFill>
                   <a:srgbClr val="1A262F"/>
                 </a:solidFill>
@@ -10474,7 +10521,7 @@
             </a:r>
           </a:p>
           <a:p>
-            <a:pPr lvl="1" indent="-243610" defTabSz="540000" fontAlgn="auto">
+            <a:pPr lvl="1" indent="-180000" defTabSz="540000" fontAlgn="auto">
               <a:lnSpc>
                 <a:spcPct val="100000"/>
               </a:lnSpc>
@@ -10489,7 +10536,7 @@
               <a:buAutoNum type="arabicPeriod"/>
             </a:pPr>
             <a:r>
-              <a:rPr kumimoji="0" lang="en-US" altLang="ko-KR" sz="900" b="0" dirty="0" smtClean="0">
+              <a:rPr kumimoji="0" lang="en-US" altLang="ko-KR" sz="900" b="0" dirty="0">
                 <a:solidFill>
                   <a:srgbClr val="1A262F"/>
                 </a:solidFill>
@@ -10500,7 +10547,7 @@
             </a:r>
           </a:p>
           <a:p>
-            <a:pPr lvl="1" indent="-243610" defTabSz="540000" fontAlgn="auto">
+            <a:pPr lvl="1" indent="-180000" defTabSz="540000" fontAlgn="auto">
               <a:lnSpc>
                 <a:spcPct val="100000"/>
               </a:lnSpc>
@@ -10515,7 +10562,7 @@
               <a:buAutoNum type="arabicPeriod"/>
             </a:pPr>
             <a:r>
-              <a:rPr kumimoji="0" lang="en-US" altLang="ko-KR" sz="900" b="0" dirty="0" smtClean="0">
+              <a:rPr kumimoji="0" lang="en-US" altLang="ko-KR" sz="900" b="0" dirty="0">
                 <a:solidFill>
                   <a:srgbClr val="1A262F"/>
                 </a:solidFill>
@@ -10526,7 +10573,7 @@
             </a:r>
           </a:p>
           <a:p>
-            <a:pPr marL="228600" indent="-228600" defTabSz="540000" fontAlgn="auto">
+            <a:pPr marL="432000" lvl="1" indent="-228600" defTabSz="540000" fontAlgn="auto">
               <a:lnSpc>
                 <a:spcPct val="100000"/>
               </a:lnSpc>
@@ -10549,6 +10596,72 @@
             </a:endParaRPr>
           </a:p>
           <a:p>
+            <a:pPr indent="-180000" defTabSz="540000" fontAlgn="auto">
+              <a:lnSpc>
+                <a:spcPct val="100000"/>
+              </a:lnSpc>
+              <a:spcBef>
+                <a:spcPts val="0"/>
+              </a:spcBef>
+              <a:spcAft>
+                <a:spcPts val="0"/>
+              </a:spcAft>
+              <a:buClrTx/>
+              <a:buFont typeface="+mj-lt"/>
+              <a:buAutoNum type="arabicPeriod"/>
+            </a:pPr>
+            <a:r>
+              <a:rPr kumimoji="0" lang="en-US" altLang="ko-KR" sz="900" b="0" dirty="0" smtClean="0">
+                <a:solidFill>
+                  <a:srgbClr val="1A262F"/>
+                </a:solidFill>
+                <a:latin typeface="맑은 고딕" pitchFamily="50" charset="-127"/>
+                <a:ea typeface="맑은 고딕" pitchFamily="50" charset="-127"/>
+              </a:rPr>
+              <a:t>Test</a:t>
+            </a:r>
+            <a:endParaRPr kumimoji="0" lang="en-US" altLang="ko-KR" sz="900" b="0" dirty="0">
+              <a:solidFill>
+                <a:srgbClr val="1A262F"/>
+              </a:solidFill>
+              <a:latin typeface="맑은 고딕" pitchFamily="50" charset="-127"/>
+              <a:ea typeface="맑은 고딕" pitchFamily="50" charset="-127"/>
+            </a:endParaRPr>
+          </a:p>
+          <a:p>
+            <a:pPr lvl="1" indent="-180000" defTabSz="540000" fontAlgn="auto">
+              <a:lnSpc>
+                <a:spcPct val="100000"/>
+              </a:lnSpc>
+              <a:spcBef>
+                <a:spcPts val="0"/>
+              </a:spcBef>
+              <a:spcAft>
+                <a:spcPts val="0"/>
+              </a:spcAft>
+              <a:buClrTx/>
+              <a:buFont typeface="+mj-lt"/>
+              <a:buAutoNum type="arabicPeriod"/>
+            </a:pPr>
+            <a:r>
+              <a:rPr kumimoji="0" lang="en-US" altLang="ko-KR" sz="900" b="0" dirty="0" smtClean="0">
+                <a:solidFill>
+                  <a:srgbClr val="1A262F"/>
+                </a:solidFill>
+                <a:latin typeface="맑은 고딕" pitchFamily="50" charset="-127"/>
+                <a:ea typeface="맑은 고딕" pitchFamily="50" charset="-127"/>
+              </a:rPr>
+              <a:t>View Children</a:t>
+            </a:r>
+            <a:endParaRPr kumimoji="0" lang="en-US" altLang="ko-KR" sz="900" b="0" dirty="0">
+              <a:solidFill>
+                <a:srgbClr val="1A262F"/>
+              </a:solidFill>
+              <a:latin typeface="맑은 고딕" pitchFamily="50" charset="-127"/>
+              <a:ea typeface="맑은 고딕" pitchFamily="50" charset="-127"/>
+            </a:endParaRPr>
+          </a:p>
+          <a:p>
             <a:pPr marL="228600" indent="-228600" defTabSz="540000" fontAlgn="auto">
               <a:lnSpc>
                 <a:spcPct val="100000"/>
@@ -10572,7 +10685,7 @@
             </a:endParaRPr>
           </a:p>
           <a:p>
-            <a:pPr marL="228600" indent="-228600" defTabSz="540000" fontAlgn="auto">
+            <a:pPr marL="228600" indent="-180000" defTabSz="540000" fontAlgn="auto">
               <a:lnSpc>
                 <a:spcPct val="100000"/>
               </a:lnSpc>
@@ -10598,7 +10711,7 @@
             </a:r>
           </a:p>
           <a:p>
-            <a:pPr marL="432000" lvl="1" indent="-228600" defTabSz="540000" fontAlgn="auto">
+            <a:pPr marL="432000" lvl="1" indent="-180000" defTabSz="540000" fontAlgn="auto">
               <a:lnSpc>
                 <a:spcPct val="100000"/>
               </a:lnSpc>
@@ -10623,24 +10736,18 @@
                 <a:latin typeface="맑은 고딕" pitchFamily="50" charset="-127"/>
                 <a:ea typeface="맑은 고딕" pitchFamily="50" charset="-127"/>
               </a:rPr>
-              <a:t>MQL Search &amp; View Field</a:t>
-            </a:r>
-          </a:p>
-          <a:p>
-            <a:pPr marL="228600" indent="-228600" defTabSz="540000" fontAlgn="auto">
-              <a:lnSpc>
-                <a:spcPct val="100000"/>
-              </a:lnSpc>
-              <a:spcBef>
-                <a:spcPts val="0"/>
-              </a:spcBef>
-              <a:spcAft>
-                <a:spcPts val="0"/>
-              </a:spcAft>
-              <a:buClrTx/>
-              <a:buFont typeface="+mj-lt"/>
-              <a:buAutoNum type="arabicPeriod"/>
-            </a:pPr>
+              <a:t>MQL Search &amp; View </a:t>
+            </a:r>
+            <a:r>
+              <a:rPr kumimoji="0" lang="en-US" altLang="ko-KR" sz="900" b="0" dirty="0" smtClean="0">
+                <a:solidFill>
+                  <a:srgbClr val="1A262F"/>
+                </a:solidFill>
+                <a:latin typeface="맑은 고딕" pitchFamily="50" charset="-127"/>
+                <a:ea typeface="맑은 고딕" pitchFamily="50" charset="-127"/>
+              </a:rPr>
+              <a:t>Field</a:t>
+            </a:r>
             <a:endParaRPr kumimoji="0" lang="en-US" altLang="ko-KR" sz="900" b="0" dirty="0" smtClean="0">
               <a:solidFill>
                 <a:srgbClr val="1A262F"/>
@@ -10650,33 +10757,7 @@
             </a:endParaRPr>
           </a:p>
           <a:p>
-            <a:pPr marL="228600" indent="-228600" defTabSz="540000" fontAlgn="auto">
-              <a:lnSpc>
-                <a:spcPct val="100000"/>
-              </a:lnSpc>
-              <a:spcBef>
-                <a:spcPts val="0"/>
-              </a:spcBef>
-              <a:spcAft>
-                <a:spcPts val="0"/>
-              </a:spcAft>
-              <a:buClrTx/>
-              <a:buFont typeface="+mj-lt"/>
-              <a:buAutoNum type="arabicPeriod"/>
-            </a:pPr>
-            <a:r>
-              <a:rPr kumimoji="0" lang="en-US" altLang="ko-KR" sz="900" b="0" dirty="0" smtClean="0">
-                <a:solidFill>
-                  <a:srgbClr val="1A262F"/>
-                </a:solidFill>
-                <a:latin typeface="맑은 고딕" pitchFamily="50" charset="-127"/>
-                <a:ea typeface="맑은 고딕" pitchFamily="50" charset="-127"/>
-              </a:rPr>
-              <a:t>Search Mode Area</a:t>
-            </a:r>
-          </a:p>
-          <a:p>
-            <a:pPr marL="432000" lvl="1" indent="-228600" defTabSz="540000" fontAlgn="auto">
+            <a:pPr marL="432000" lvl="1" indent="-180000" defTabSz="540000" fontAlgn="auto">
               <a:lnSpc>
                 <a:spcPct val="100000"/>
               </a:lnSpc>
@@ -10719,7 +10800,7 @@
             </a:endParaRPr>
           </a:p>
           <a:p>
-            <a:pPr marL="432000" lvl="1" indent="-228600" defTabSz="540000" fontAlgn="auto">
+            <a:pPr marL="432000" lvl="1" indent="-180000" defTabSz="540000" fontAlgn="auto">
               <a:lnSpc>
                 <a:spcPct val="100000"/>
               </a:lnSpc>
@@ -10785,7 +10866,7 @@
             </a:endParaRPr>
           </a:p>
           <a:p>
-            <a:pPr marL="228600" indent="-228600" defTabSz="540000" fontAlgn="auto">
+            <a:pPr marL="228600" indent="-180000" defTabSz="540000" fontAlgn="auto">
               <a:lnSpc>
                 <a:spcPct val="100000"/>
               </a:lnSpc>
@@ -10811,7 +10892,7 @@
             </a:r>
           </a:p>
           <a:p>
-            <a:pPr marL="432000" lvl="1" indent="-228600" defTabSz="540000" fontAlgn="auto">
+            <a:pPr marL="432000" lvl="1" indent="-180000" defTabSz="540000" fontAlgn="auto">
               <a:lnSpc>
                 <a:spcPct val="100000"/>
               </a:lnSpc>
@@ -10874,7 +10955,7 @@
             </a:endParaRPr>
           </a:p>
           <a:p>
-            <a:pPr marL="432000" lvl="1" indent="-228600" defTabSz="540000" fontAlgn="auto">
+            <a:pPr marL="432000" lvl="1" indent="-180000" defTabSz="540000" fontAlgn="auto">
               <a:lnSpc>
                 <a:spcPct val="100000"/>
               </a:lnSpc>
@@ -10937,7 +11018,109 @@
             </a:endParaRPr>
           </a:p>
           <a:p>
-            <a:pPr indent="-243610" defTabSz="540000" fontAlgn="auto">
+            <a:pPr marL="228600" indent="-228600" defTabSz="540000" fontAlgn="auto">
+              <a:lnSpc>
+                <a:spcPct val="100000"/>
+              </a:lnSpc>
+              <a:spcBef>
+                <a:spcPts val="0"/>
+              </a:spcBef>
+              <a:spcAft>
+                <a:spcPts val="0"/>
+              </a:spcAft>
+              <a:buClrTx/>
+              <a:buFont typeface="+mj-lt"/>
+              <a:buAutoNum type="arabicPeriod"/>
+            </a:pPr>
+            <a:endParaRPr kumimoji="0" lang="en-US" altLang="ko-KR" sz="900" b="0" dirty="0" smtClean="0">
+              <a:solidFill>
+                <a:srgbClr val="1A262F"/>
+              </a:solidFill>
+              <a:latin typeface="맑은 고딕" pitchFamily="50" charset="-127"/>
+              <a:ea typeface="맑은 고딕" pitchFamily="50" charset="-127"/>
+            </a:endParaRPr>
+          </a:p>
+          <a:p>
+            <a:pPr marL="228600" indent="-180000" defTabSz="540000" fontAlgn="auto">
+              <a:lnSpc>
+                <a:spcPct val="100000"/>
+              </a:lnSpc>
+              <a:spcBef>
+                <a:spcPts val="0"/>
+              </a:spcBef>
+              <a:spcAft>
+                <a:spcPts val="0"/>
+              </a:spcAft>
+              <a:buClrTx/>
+              <a:buFont typeface="+mj-lt"/>
+              <a:buAutoNum type="arabicPeriod"/>
+            </a:pPr>
+            <a:r>
+              <a:rPr kumimoji="0" lang="en-US" altLang="ko-KR" sz="900" b="0" dirty="0" smtClean="0">
+                <a:solidFill>
+                  <a:srgbClr val="1A262F"/>
+                </a:solidFill>
+                <a:latin typeface="맑은 고딕" pitchFamily="50" charset="-127"/>
+                <a:ea typeface="맑은 고딕" pitchFamily="50" charset="-127"/>
+              </a:rPr>
+              <a:t>List Area</a:t>
+            </a:r>
+          </a:p>
+          <a:p>
+            <a:pPr marL="432000" lvl="1" indent="-180000" defTabSz="540000" fontAlgn="auto">
+              <a:lnSpc>
+                <a:spcPct val="100000"/>
+              </a:lnSpc>
+              <a:spcBef>
+                <a:spcPts val="0"/>
+              </a:spcBef>
+              <a:spcAft>
+                <a:spcPts val="0"/>
+              </a:spcAft>
+              <a:buClrTx/>
+              <a:buFont typeface="+mj-lt"/>
+              <a:buAutoNum type="arabicPeriod"/>
+            </a:pPr>
+            <a:r>
+              <a:rPr kumimoji="0" lang="ko-KR" altLang="en-US" sz="900" b="0" dirty="0" smtClean="0">
+                <a:solidFill>
+                  <a:srgbClr val="1A262F"/>
+                </a:solidFill>
+                <a:latin typeface="맑은 고딕" pitchFamily="50" charset="-127"/>
+                <a:ea typeface="맑은 고딕" pitchFamily="50" charset="-127"/>
+              </a:rPr>
+              <a:t>검색하여 나온 </a:t>
+            </a:r>
+            <a:r>
+              <a:rPr kumimoji="0" lang="en-US" altLang="ko-KR" sz="900" b="0" dirty="0" smtClean="0">
+                <a:solidFill>
+                  <a:srgbClr val="1A262F"/>
+                </a:solidFill>
+                <a:latin typeface="맑은 고딕" pitchFamily="50" charset="-127"/>
+                <a:ea typeface="맑은 고딕" pitchFamily="50" charset="-127"/>
+              </a:rPr>
+              <a:t>MQL Name List </a:t>
+            </a:r>
+            <a:r>
+              <a:rPr kumimoji="0" lang="ko-KR" altLang="en-US" sz="900" b="0" dirty="0" smtClean="0">
+                <a:solidFill>
+                  <a:srgbClr val="1A262F"/>
+                </a:solidFill>
+                <a:latin typeface="맑은 고딕" pitchFamily="50" charset="-127"/>
+                <a:ea typeface="맑은 고딕" pitchFamily="50" charset="-127"/>
+              </a:rPr>
+              <a:t>를 출력</a:t>
+            </a:r>
+            <a:endParaRPr kumimoji="0" lang="en-US" altLang="ko-KR" sz="900" b="0" dirty="0" smtClean="0">
+              <a:solidFill>
+                <a:srgbClr val="1A262F"/>
+              </a:solidFill>
+              <a:latin typeface="맑은 고딕" pitchFamily="50" charset="-127"/>
+              <a:ea typeface="맑은 고딕" pitchFamily="50" charset="-127"/>
+            </a:endParaRPr>
+          </a:p>
+          <a:p>
+            <a:pPr marL="228600" indent="-228600" defTabSz="540000" fontAlgn="auto">
               <a:lnSpc>
                 <a:spcPct val="100000"/>
               </a:lnSpc>
@@ -10960,7 +11143,7 @@
             </a:endParaRPr>
           </a:p>
           <a:p>
-            <a:pPr indent="-243610" defTabSz="540000" fontAlgn="auto">
+            <a:pPr marL="228600" indent="-228600" defTabSz="540000" fontAlgn="auto">
               <a:lnSpc>
                 <a:spcPct val="100000"/>
               </a:lnSpc>
@@ -10982,275 +11165,11 @@
                 <a:latin typeface="맑은 고딕" pitchFamily="50" charset="-127"/>
                 <a:ea typeface="맑은 고딕" pitchFamily="50" charset="-127"/>
               </a:rPr>
-              <a:t>Background Area</a:t>
-            </a:r>
-          </a:p>
-          <a:p>
-            <a:pPr lvl="1" indent="-243610" defTabSz="540000" fontAlgn="auto">
-              <a:lnSpc>
-                <a:spcPct val="100000"/>
-              </a:lnSpc>
-              <a:spcBef>
-                <a:spcPts val="0"/>
-              </a:spcBef>
-              <a:spcAft>
-                <a:spcPts val="0"/>
-              </a:spcAft>
-              <a:buClrTx/>
-              <a:buFont typeface="+mj-lt"/>
-              <a:buAutoNum type="arabicPeriod"/>
-            </a:pPr>
-            <a:r>
-              <a:rPr kumimoji="0" lang="ko-KR" altLang="en-US" sz="900" b="0" dirty="0" smtClean="0">
-                <a:solidFill>
-                  <a:srgbClr val="1A262F"/>
-                </a:solidFill>
-                <a:latin typeface="맑은 고딕" pitchFamily="50" charset="-127"/>
-                <a:ea typeface="맑은 고딕" pitchFamily="50" charset="-127"/>
-              </a:rPr>
-              <a:t>속도 개선을 위하여 미리 </a:t>
-            </a:r>
-            <a:r>
-              <a:rPr kumimoji="0" lang="en-US" altLang="ko-KR" sz="900" b="0" dirty="0" smtClean="0">
-                <a:solidFill>
-                  <a:srgbClr val="1A262F"/>
-                </a:solidFill>
-                <a:latin typeface="맑은 고딕" pitchFamily="50" charset="-127"/>
-                <a:ea typeface="맑은 고딕" pitchFamily="50" charset="-127"/>
-              </a:rPr>
-              <a:t>Compare </a:t>
-            </a:r>
-            <a:r>
-              <a:rPr kumimoji="0" lang="ko-KR" altLang="en-US" sz="900" b="0" dirty="0" smtClean="0">
-                <a:solidFill>
-                  <a:srgbClr val="1A262F"/>
-                </a:solidFill>
-                <a:latin typeface="맑은 고딕" pitchFamily="50" charset="-127"/>
-                <a:ea typeface="맑은 고딕" pitchFamily="50" charset="-127"/>
-              </a:rPr>
-              <a:t>하여 다른 부분만 목록을 저장 해둠</a:t>
-            </a:r>
-            <a:r>
-              <a:rPr kumimoji="0" lang="en-US" altLang="ko-KR" sz="900" b="0" dirty="0" smtClean="0">
-                <a:solidFill>
-                  <a:srgbClr val="1A262F"/>
-                </a:solidFill>
-                <a:latin typeface="맑은 고딕" pitchFamily="50" charset="-127"/>
-                <a:ea typeface="맑은 고딕" pitchFamily="50" charset="-127"/>
-              </a:rPr>
-              <a:t>. </a:t>
-            </a:r>
-            <a:r>
-              <a:rPr kumimoji="0" lang="ko-KR" altLang="en-US" sz="900" b="0" dirty="0" smtClean="0">
-                <a:solidFill>
-                  <a:srgbClr val="1A262F"/>
-                </a:solidFill>
-                <a:latin typeface="맑은 고딕" pitchFamily="50" charset="-127"/>
-                <a:ea typeface="맑은 고딕" pitchFamily="50" charset="-127"/>
-              </a:rPr>
-              <a:t>하단의 </a:t>
-            </a:r>
-            <a:r>
-              <a:rPr kumimoji="0" lang="en-US" altLang="ko-KR" sz="900" b="0" dirty="0" smtClean="0">
-                <a:solidFill>
-                  <a:srgbClr val="1A262F"/>
-                </a:solidFill>
-                <a:latin typeface="맑은 고딕" pitchFamily="50" charset="-127"/>
-                <a:ea typeface="맑은 고딕" pitchFamily="50" charset="-127"/>
-              </a:rPr>
-              <a:t>Progress bar </a:t>
-            </a:r>
-            <a:r>
-              <a:rPr kumimoji="0" lang="ko-KR" altLang="en-US" sz="900" b="0" dirty="0" smtClean="0">
-                <a:solidFill>
-                  <a:srgbClr val="1A262F"/>
-                </a:solidFill>
-                <a:latin typeface="맑은 고딕" pitchFamily="50" charset="-127"/>
-                <a:ea typeface="맑은 고딕" pitchFamily="50" charset="-127"/>
-              </a:rPr>
-              <a:t>가 멈출 때까지 </a:t>
-            </a:r>
-            <a:r>
-              <a:rPr kumimoji="0" lang="ko-KR" altLang="en-US" sz="900" b="0" dirty="0" err="1" smtClean="0">
-                <a:solidFill>
-                  <a:srgbClr val="1A262F"/>
-                </a:solidFill>
-                <a:latin typeface="맑은 고딕" pitchFamily="50" charset="-127"/>
-                <a:ea typeface="맑은 고딕" pitchFamily="50" charset="-127"/>
-              </a:rPr>
-              <a:t>진행중</a:t>
-            </a:r>
-            <a:r>
-              <a:rPr kumimoji="0" lang="en-US" altLang="ko-KR" sz="900" b="0" dirty="0" smtClean="0">
-                <a:solidFill>
-                  <a:srgbClr val="1A262F"/>
-                </a:solidFill>
-                <a:latin typeface="맑은 고딕" pitchFamily="50" charset="-127"/>
-                <a:ea typeface="맑은 고딕" pitchFamily="50" charset="-127"/>
-              </a:rPr>
-              <a:t>.</a:t>
-            </a:r>
-            <a:endParaRPr kumimoji="0" lang="en-US" altLang="ko-KR" sz="900" b="0" dirty="0">
-              <a:solidFill>
-                <a:srgbClr val="1A262F"/>
-              </a:solidFill>
-              <a:latin typeface="맑은 고딕" pitchFamily="50" charset="-127"/>
-              <a:ea typeface="맑은 고딕" pitchFamily="50" charset="-127"/>
-            </a:endParaRPr>
-          </a:p>
-          <a:p>
-            <a:pPr marL="228600" indent="-228600" defTabSz="540000" fontAlgn="auto">
-              <a:lnSpc>
-                <a:spcPct val="100000"/>
-              </a:lnSpc>
-              <a:spcBef>
-                <a:spcPts val="0"/>
-              </a:spcBef>
-              <a:spcAft>
-                <a:spcPts val="0"/>
-              </a:spcAft>
-              <a:buClrTx/>
-              <a:buFont typeface="+mj-lt"/>
-              <a:buAutoNum type="arabicPeriod"/>
-            </a:pPr>
-            <a:endParaRPr kumimoji="0" lang="en-US" altLang="ko-KR" sz="900" b="0" dirty="0" smtClean="0">
-              <a:solidFill>
-                <a:srgbClr val="1A262F"/>
-              </a:solidFill>
-              <a:latin typeface="맑은 고딕" pitchFamily="50" charset="-127"/>
-              <a:ea typeface="맑은 고딕" pitchFamily="50" charset="-127"/>
-            </a:endParaRPr>
-          </a:p>
-          <a:p>
-            <a:pPr marL="228600" indent="-228600" defTabSz="540000" fontAlgn="auto">
-              <a:lnSpc>
-                <a:spcPct val="100000"/>
-              </a:lnSpc>
-              <a:spcBef>
-                <a:spcPts val="0"/>
-              </a:spcBef>
-              <a:spcAft>
-                <a:spcPts val="0"/>
-              </a:spcAft>
-              <a:buClrTx/>
-              <a:buFont typeface="+mj-lt"/>
-              <a:buAutoNum type="arabicPeriod"/>
-            </a:pPr>
-            <a:r>
-              <a:rPr kumimoji="0" lang="en-US" altLang="ko-KR" sz="900" b="0" dirty="0" smtClean="0">
-                <a:solidFill>
-                  <a:srgbClr val="1A262F"/>
-                </a:solidFill>
-                <a:latin typeface="맑은 고딕" pitchFamily="50" charset="-127"/>
-                <a:ea typeface="맑은 고딕" pitchFamily="50" charset="-127"/>
-              </a:rPr>
-              <a:t>List Area</a:t>
-            </a:r>
-          </a:p>
-          <a:p>
-            <a:pPr marL="432000" lvl="1" indent="-228600" defTabSz="540000" fontAlgn="auto">
-              <a:lnSpc>
-                <a:spcPct val="100000"/>
-              </a:lnSpc>
-              <a:spcBef>
-                <a:spcPts val="0"/>
-              </a:spcBef>
-              <a:spcAft>
-                <a:spcPts val="0"/>
-              </a:spcAft>
-              <a:buClrTx/>
-              <a:buFont typeface="+mj-lt"/>
-              <a:buAutoNum type="arabicPeriod"/>
-            </a:pPr>
-            <a:r>
-              <a:rPr kumimoji="0" lang="ko-KR" altLang="en-US" sz="900" b="0" dirty="0" smtClean="0">
-                <a:solidFill>
-                  <a:srgbClr val="1A262F"/>
-                </a:solidFill>
-                <a:latin typeface="맑은 고딕" pitchFamily="50" charset="-127"/>
-                <a:ea typeface="맑은 고딕" pitchFamily="50" charset="-127"/>
-              </a:rPr>
-              <a:t>검색하여 나온 </a:t>
-            </a:r>
-            <a:r>
-              <a:rPr kumimoji="0" lang="en-US" altLang="ko-KR" sz="900" b="0" dirty="0" smtClean="0">
-                <a:solidFill>
-                  <a:srgbClr val="1A262F"/>
-                </a:solidFill>
-                <a:latin typeface="맑은 고딕" pitchFamily="50" charset="-127"/>
-                <a:ea typeface="맑은 고딕" pitchFamily="50" charset="-127"/>
-              </a:rPr>
-              <a:t>MQL Name List </a:t>
-            </a:r>
-            <a:r>
-              <a:rPr kumimoji="0" lang="ko-KR" altLang="en-US" sz="900" b="0" dirty="0" smtClean="0">
-                <a:solidFill>
-                  <a:srgbClr val="1A262F"/>
-                </a:solidFill>
-                <a:latin typeface="맑은 고딕" pitchFamily="50" charset="-127"/>
-                <a:ea typeface="맑은 고딕" pitchFamily="50" charset="-127"/>
-              </a:rPr>
-              <a:t>를 출력</a:t>
-            </a:r>
-            <a:endParaRPr kumimoji="0" lang="en-US" altLang="ko-KR" sz="900" b="0" dirty="0" smtClean="0">
-              <a:solidFill>
-                <a:srgbClr val="1A262F"/>
-              </a:solidFill>
-              <a:latin typeface="맑은 고딕" pitchFamily="50" charset="-127"/>
-              <a:ea typeface="맑은 고딕" pitchFamily="50" charset="-127"/>
-            </a:endParaRPr>
-          </a:p>
-          <a:p>
-            <a:pPr marL="228600" indent="-228600" defTabSz="540000" fontAlgn="auto">
-              <a:lnSpc>
-                <a:spcPct val="100000"/>
-              </a:lnSpc>
-              <a:spcBef>
-                <a:spcPts val="0"/>
-              </a:spcBef>
-              <a:spcAft>
-                <a:spcPts val="0"/>
-              </a:spcAft>
-              <a:buClrTx/>
-              <a:buFont typeface="+mj-lt"/>
-              <a:buAutoNum type="arabicPeriod"/>
-            </a:pPr>
-            <a:endParaRPr kumimoji="0" lang="en-US" altLang="ko-KR" sz="900" b="0" dirty="0">
-              <a:solidFill>
-                <a:srgbClr val="1A262F"/>
-              </a:solidFill>
-              <a:latin typeface="맑은 고딕" pitchFamily="50" charset="-127"/>
-              <a:ea typeface="맑은 고딕" pitchFamily="50" charset="-127"/>
-            </a:endParaRPr>
-          </a:p>
-          <a:p>
-            <a:pPr marL="228600" indent="-228600" defTabSz="540000" fontAlgn="auto">
-              <a:lnSpc>
-                <a:spcPct val="100000"/>
-              </a:lnSpc>
-              <a:spcBef>
-                <a:spcPts val="0"/>
-              </a:spcBef>
-              <a:spcAft>
-                <a:spcPts val="0"/>
-              </a:spcAft>
-              <a:buClrTx/>
-              <a:buFont typeface="+mj-lt"/>
-              <a:buAutoNum type="arabicPeriod"/>
-            </a:pPr>
-            <a:r>
-              <a:rPr kumimoji="0" lang="en-US" altLang="ko-KR" sz="900" b="0" dirty="0" smtClean="0">
-                <a:solidFill>
-                  <a:srgbClr val="1A262F"/>
-                </a:solidFill>
-                <a:latin typeface="맑은 고딕" pitchFamily="50" charset="-127"/>
-                <a:ea typeface="맑은 고딕" pitchFamily="50" charset="-127"/>
-              </a:rPr>
               <a:t>Content Area</a:t>
             </a:r>
           </a:p>
           <a:p>
-            <a:pPr marL="432000" lvl="1" indent="-228600" defTabSz="540000" fontAlgn="auto">
+            <a:pPr marL="432000" lvl="1" indent="-180000" defTabSz="540000" fontAlgn="auto">
               <a:lnSpc>
                 <a:spcPct val="100000"/>
               </a:lnSpc>
@@ -11477,7 +11396,7 @@
             </a:pPr>
             <a:r>
               <a:rPr lang="en-US" altLang="ko-KR" dirty="0" smtClean="0"/>
-              <a:t>3</a:t>
+              <a:t>4</a:t>
             </a:r>
             <a:endParaRPr lang="ko-KR" altLang="en-US" dirty="0"/>
           </a:p>
@@ -11491,8 +11410,8 @@
         </p:nvSpPr>
         <p:spPr bwMode="auto">
           <a:xfrm>
-            <a:off x="299519" y="1452785"/>
-            <a:ext cx="2354160" cy="512748"/>
+            <a:off x="1154648" y="1452785"/>
+            <a:ext cx="3011124" cy="512748"/>
           </a:xfrm>
           <a:prstGeom prst="roundRect">
             <a:avLst/>
@@ -11513,154 +11432,6 @@
           <a:p>
             <a:pPr algn="ctr"/>
             <a:endParaRPr lang="ko-KR" altLang="en-US"/>
-          </a:p>
-        </p:txBody>
-      </p:sp>
-      <p:sp>
-        <p:nvSpPr>
-          <p:cNvPr id="18" name="모서리가 둥근 직사각형 17"/>
-          <p:cNvSpPr/>
-          <p:nvPr/>
-        </p:nvSpPr>
-        <p:spPr bwMode="auto">
-          <a:xfrm>
-            <a:off x="2803023" y="1452785"/>
-            <a:ext cx="999858" cy="512748"/>
-          </a:xfrm>
-          <a:prstGeom prst="roundRect">
-            <a:avLst/>
-          </a:prstGeom>
-          <a:noFill/>
-          <a:ln w="28575">
-            <a:solidFill>
-              <a:srgbClr val="00B0F0"/>
-            </a:solidFill>
-            <a:round/>
-            <a:headEnd/>
-            <a:tailEnd/>
-          </a:ln>
-        </p:spPr>
-        <p:txBody>
-          <a:bodyPr rtlCol="0" anchor="ctr"/>
-          <a:lstStyle/>
-          <a:p>
-            <a:pPr algn="ctr"/>
-            <a:endParaRPr lang="ko-KR" altLang="en-US"/>
-          </a:p>
-        </p:txBody>
-      </p:sp>
-      <p:sp>
-        <p:nvSpPr>
-          <p:cNvPr id="19" name="타원 18"/>
-          <p:cNvSpPr/>
-          <p:nvPr/>
-        </p:nvSpPr>
-        <p:spPr bwMode="auto">
-          <a:xfrm>
-            <a:off x="2792444" y="1185979"/>
-            <a:ext cx="273466" cy="273466"/>
-          </a:xfrm>
-          <a:prstGeom prst="ellipse">
-            <a:avLst/>
-          </a:prstGeom>
-          <a:solidFill>
-            <a:schemeClr val="bg1"/>
-          </a:solidFill>
-          <a:ln w="28575">
-            <a:solidFill>
-              <a:srgbClr val="00B0F0"/>
-            </a:solidFill>
-            <a:round/>
-            <a:headEnd/>
-            <a:tailEnd/>
-          </a:ln>
-        </p:spPr>
-        <p:txBody>
-          <a:bodyPr rtlCol="0" anchor="ctr"/>
-          <a:lstStyle/>
-          <a:p>
-            <a:pPr algn="ctr">
-              <a:buNone/>
-            </a:pPr>
-            <a:r>
-              <a:rPr lang="en-US" altLang="ko-KR" dirty="0" smtClean="0"/>
-              <a:t>4</a:t>
-            </a:r>
-            <a:endParaRPr lang="ko-KR" altLang="en-US" dirty="0"/>
-          </a:p>
-        </p:txBody>
-      </p:sp>
-      <p:sp>
-        <p:nvSpPr>
-          <p:cNvPr id="20" name="모서리가 둥근 직사각형 19"/>
-          <p:cNvSpPr/>
-          <p:nvPr/>
-        </p:nvSpPr>
-        <p:spPr bwMode="auto">
-          <a:xfrm>
-            <a:off x="6018286" y="1452785"/>
-            <a:ext cx="1248114" cy="512748"/>
-          </a:xfrm>
-          <a:prstGeom prst="roundRect">
-            <a:avLst/>
-          </a:prstGeom>
-          <a:noFill/>
-          <a:ln w="28575">
-            <a:solidFill>
-              <a:srgbClr val="00B0F0"/>
-            </a:solidFill>
-            <a:round/>
-            <a:headEnd/>
-            <a:tailEnd/>
-          </a:ln>
-        </p:spPr>
-        <p:txBody>
-          <a:bodyPr rtlCol="0" anchor="ctr"/>
-          <a:lstStyle/>
-          <a:p>
-            <a:pPr algn="ctr"/>
-            <a:endParaRPr lang="ko-KR" altLang="en-US"/>
-          </a:p>
-        </p:txBody>
-      </p:sp>
-      <p:sp>
-        <p:nvSpPr>
-          <p:cNvPr id="21" name="타원 20"/>
-          <p:cNvSpPr/>
-          <p:nvPr/>
-        </p:nvSpPr>
-        <p:spPr bwMode="auto">
-          <a:xfrm>
-            <a:off x="6014221" y="1179319"/>
-            <a:ext cx="273466" cy="273466"/>
-          </a:xfrm>
-          <a:prstGeom prst="ellipse">
-            <a:avLst/>
-          </a:prstGeom>
-          <a:solidFill>
-            <a:schemeClr val="bg1"/>
-          </a:solidFill>
-          <a:ln w="28575">
-            <a:solidFill>
-              <a:srgbClr val="00B0F0"/>
-            </a:solidFill>
-            <a:round/>
-            <a:headEnd/>
-            <a:tailEnd/>
-          </a:ln>
-        </p:spPr>
-        <p:txBody>
-          <a:bodyPr rtlCol="0" anchor="ctr"/>
-          <a:lstStyle/>
-          <a:p>
-            <a:pPr algn="ctr">
-              <a:buNone/>
-            </a:pPr>
-            <a:r>
-              <a:rPr lang="en-US" altLang="ko-KR" dirty="0" smtClean="0"/>
-              <a:t>6</a:t>
-            </a:r>
-            <a:endParaRPr lang="ko-KR" altLang="en-US" dirty="0"/>
           </a:p>
         </p:txBody>
       </p:sp>
@@ -11843,7 +11614,7 @@
             </a:pPr>
             <a:r>
               <a:rPr lang="en-US" altLang="ko-KR" dirty="0" smtClean="0"/>
-              <a:t>7</a:t>
+              <a:t>6</a:t>
             </a:r>
             <a:endParaRPr lang="ko-KR" altLang="en-US" dirty="0"/>
           </a:p>
@@ -11884,7 +11655,7 @@
             </a:pPr>
             <a:r>
               <a:rPr lang="en-US" altLang="ko-KR" dirty="0" smtClean="0"/>
-              <a:t>8</a:t>
+              <a:t>7</a:t>
             </a:r>
             <a:endParaRPr lang="ko-KR" altLang="en-US" dirty="0"/>
           </a:p>
@@ -11898,8 +11669,8 @@
         </p:nvSpPr>
         <p:spPr bwMode="auto">
           <a:xfrm>
-            <a:off x="3886316" y="1452785"/>
-            <a:ext cx="1866635" cy="512748"/>
+            <a:off x="4237504" y="1452785"/>
+            <a:ext cx="2214125" cy="512748"/>
           </a:xfrm>
           <a:prstGeom prst="roundRect">
             <a:avLst/>
@@ -11920,47 +11691,6 @@
           <a:p>
             <a:pPr algn="ctr"/>
             <a:endParaRPr lang="ko-KR" altLang="en-US"/>
-          </a:p>
-        </p:txBody>
-      </p:sp>
-      <p:sp>
-        <p:nvSpPr>
-          <p:cNvPr id="31" name="타원 30"/>
-          <p:cNvSpPr/>
-          <p:nvPr/>
-        </p:nvSpPr>
-        <p:spPr bwMode="auto">
-          <a:xfrm>
-            <a:off x="3888752" y="1179319"/>
-            <a:ext cx="273466" cy="273466"/>
-          </a:xfrm>
-          <a:prstGeom prst="ellipse">
-            <a:avLst/>
-          </a:prstGeom>
-          <a:solidFill>
-            <a:schemeClr val="bg1"/>
-          </a:solidFill>
-          <a:ln w="28575">
-            <a:solidFill>
-              <a:srgbClr val="00B0F0"/>
-            </a:solidFill>
-            <a:round/>
-            <a:headEnd/>
-            <a:tailEnd/>
-          </a:ln>
-        </p:spPr>
-        <p:txBody>
-          <a:bodyPr rtlCol="0" anchor="ctr"/>
-          <a:lstStyle/>
-          <a:p>
-            <a:pPr algn="ctr">
-              <a:buNone/>
-            </a:pPr>
-            <a:r>
-              <a:rPr lang="en-US" altLang="ko-KR" dirty="0" smtClean="0"/>
-              <a:t>5</a:t>
-            </a:r>
-            <a:endParaRPr lang="ko-KR" altLang="en-US" dirty="0"/>
           </a:p>
         </p:txBody>
       </p:sp>
@@ -12033,6 +11763,121 @@
             <a:r>
               <a:rPr lang="en-US" altLang="ko-KR" dirty="0" smtClean="0"/>
               <a:t>2</a:t>
+            </a:r>
+            <a:endParaRPr lang="ko-KR" altLang="en-US" dirty="0"/>
+          </a:p>
+        </p:txBody>
+      </p:sp>
+      <p:sp>
+        <p:nvSpPr>
+          <p:cNvPr id="33" name="모서리가 둥근 직사각형 32"/>
+          <p:cNvSpPr/>
+          <p:nvPr/>
+        </p:nvSpPr>
+        <p:spPr bwMode="auto">
+          <a:xfrm>
+            <a:off x="934737" y="1281870"/>
+            <a:ext cx="295943" cy="170914"/>
+          </a:xfrm>
+          <a:prstGeom prst="roundRect">
+            <a:avLst/>
+          </a:prstGeom>
+          <a:noFill/>
+          <a:ln w="28575">
+            <a:solidFill>
+              <a:srgbClr val="00B0F0"/>
+            </a:solidFill>
+            <a:round/>
+            <a:headEnd/>
+            <a:tailEnd/>
+          </a:ln>
+        </p:spPr>
+        <p:txBody>
+          <a:bodyPr rtlCol="0" anchor="ctr"/>
+          <a:lstStyle/>
+          <a:p>
+            <a:pPr algn="ctr"/>
+            <a:endParaRPr lang="ko-KR" altLang="en-US"/>
+          </a:p>
+        </p:txBody>
+      </p:sp>
+      <p:sp>
+        <p:nvSpPr>
+          <p:cNvPr id="34" name="타원 33"/>
+          <p:cNvSpPr/>
+          <p:nvPr/>
+        </p:nvSpPr>
+        <p:spPr bwMode="auto">
+          <a:xfrm>
+            <a:off x="1162827" y="1008067"/>
+            <a:ext cx="273466" cy="273466"/>
+          </a:xfrm>
+          <a:prstGeom prst="ellipse">
+            <a:avLst/>
+          </a:prstGeom>
+          <a:solidFill>
+            <a:schemeClr val="bg1"/>
+          </a:solidFill>
+          <a:ln w="28575">
+            <a:solidFill>
+              <a:srgbClr val="00B0F0"/>
+            </a:solidFill>
+            <a:round/>
+            <a:headEnd/>
+            <a:tailEnd/>
+          </a:ln>
+        </p:spPr>
+        <p:txBody>
+          <a:bodyPr rtlCol="0" anchor="ctr"/>
+          <a:lstStyle/>
+          <a:p>
+            <a:pPr algn="ctr">
+              <a:buNone/>
+            </a:pPr>
+            <a:r>
+              <a:rPr lang="en-US" altLang="ko-KR" dirty="0" smtClean="0"/>
+              <a:t>3</a:t>
+            </a:r>
+            <a:endParaRPr lang="ko-KR" altLang="en-US" dirty="0"/>
+          </a:p>
+        </p:txBody>
+      </p:sp>
+      <p:sp>
+        <p:nvSpPr>
+          <p:cNvPr id="35" name="타원 34"/>
+          <p:cNvSpPr/>
+          <p:nvPr/>
+        </p:nvSpPr>
+        <p:spPr bwMode="auto">
+          <a:xfrm>
+            <a:off x="5147572" y="1179319"/>
+            <a:ext cx="273466" cy="273466"/>
+          </a:xfrm>
+          <a:prstGeom prst="ellipse">
+            <a:avLst/>
+          </a:prstGeom>
+          <a:solidFill>
+            <a:schemeClr val="bg1"/>
+          </a:solidFill>
+          <a:ln w="28575">
+            <a:solidFill>
+              <a:srgbClr val="00B0F0"/>
+            </a:solidFill>
+            <a:round/>
+            <a:headEnd/>
+            <a:tailEnd/>
+          </a:ln>
+        </p:spPr>
+        <p:txBody>
+          <a:bodyPr rtlCol="0" anchor="ctr"/>
+          <a:lstStyle/>
+          <a:p>
+            <a:pPr algn="ctr">
+              <a:buNone/>
+            </a:pPr>
+            <a:r>
+              <a:rPr lang="en-US" altLang="ko-KR" dirty="0" smtClean="0"/>
+              <a:t>5</a:t>
             </a:r>
             <a:endParaRPr lang="ko-KR" altLang="en-US" dirty="0"/>
           </a:p>
@@ -12077,22 +11922,85 @@
       </p:grpSpPr>
       <p:pic>
         <p:nvPicPr>
-          <p:cNvPr id="7" name="그림 6"/>
+          <p:cNvPr id="17" name="그림 16"/>
           <p:cNvPicPr>
             <a:picLocks noChangeAspect="1"/>
           </p:cNvPicPr>
           <p:nvPr/>
         </p:nvPicPr>
-        <p:blipFill>
-          <a:blip r:embed="rId3"/>
-          <a:stretch>
-            <a:fillRect/>
-          </a:stretch>
+        <p:blipFill rotWithShape="1">
+          <a:blip r:embed="rId3" cstate="screen">
+            <a:extLst>
+              <a:ext uri="{28A0092B-C50C-407E-A947-70E740481C1C}">
+                <a14:useLocalDpi xmlns:a14="http://schemas.microsoft.com/office/drawing/2010/main"/>
+              </a:ext>
+            </a:extLst>
+          </a:blip>
+          <a:srcRect/>
+          <a:stretch/>
         </p:blipFill>
         <p:spPr>
           <a:xfrm>
-            <a:off x="299519" y="1125282"/>
-            <a:ext cx="6901926" cy="4615256"/>
+            <a:off x="278733" y="1129131"/>
+            <a:ext cx="7048333" cy="4692058"/>
+          </a:xfrm>
+          <a:prstGeom prst="rect">
+            <a:avLst/>
+          </a:prstGeom>
+        </p:spPr>
+      </p:pic>
+      <p:pic>
+        <p:nvPicPr>
+          <p:cNvPr id="11" name="그림 10"/>
+          <p:cNvPicPr>
+            <a:picLocks noChangeAspect="1"/>
+          </p:cNvPicPr>
+          <p:nvPr/>
+        </p:nvPicPr>
+        <p:blipFill rotWithShape="1">
+          <a:blip r:embed="rId4" cstate="screen">
+            <a:extLst>
+              <a:ext uri="{28A0092B-C50C-407E-A947-70E740481C1C}">
+                <a14:useLocalDpi xmlns:a14="http://schemas.microsoft.com/office/drawing/2010/main"/>
+              </a:ext>
+            </a:extLst>
+          </a:blip>
+          <a:srcRect/>
+          <a:stretch/>
+        </p:blipFill>
+        <p:spPr>
+          <a:xfrm>
+            <a:off x="2645878" y="2584557"/>
+            <a:ext cx="943270" cy="219437"/>
+          </a:xfrm>
+          <a:prstGeom prst="rect">
+            <a:avLst/>
+          </a:prstGeom>
+        </p:spPr>
+      </p:pic>
+      <p:pic>
+        <p:nvPicPr>
+          <p:cNvPr id="10" name="그림 9"/>
+          <p:cNvPicPr>
+            <a:picLocks noChangeAspect="1"/>
+          </p:cNvPicPr>
+          <p:nvPr/>
+        </p:nvPicPr>
+        <p:blipFill rotWithShape="1">
+          <a:blip r:embed="rId5" cstate="screen">
+            <a:extLst>
+              <a:ext uri="{28A0092B-C50C-407E-A947-70E740481C1C}">
+                <a14:useLocalDpi xmlns:a14="http://schemas.microsoft.com/office/drawing/2010/main"/>
+              </a:ext>
+            </a:extLst>
+          </a:blip>
+          <a:srcRect/>
+          <a:stretch/>
+        </p:blipFill>
+        <p:spPr>
+          <a:xfrm>
+            <a:off x="2640165" y="2127095"/>
+            <a:ext cx="1223818" cy="223212"/>
           </a:xfrm>
           <a:prstGeom prst="rect">
             <a:avLst/>
@@ -12195,7 +12103,7 @@
           <p:cNvPr id="15" name="TextBox 14">
             <a:extLst>
               <a:ext uri="{FF2B5EF4-FFF2-40B4-BE49-F238E27FC236}">
-                <a16:creationId xmlns="" xmlns:a16="http://schemas.microsoft.com/office/drawing/2014/main" id="{5A69657B-5773-41EF-98A0-8A9B15AF419B}"/>
+                <a16:creationId xmlns:a16="http://schemas.microsoft.com/office/drawing/2014/main" xmlns="" id="{5A69657B-5773-41EF-98A0-8A9B15AF419B}"/>
               </a:ext>
             </a:extLst>
           </p:cNvPr>
@@ -12884,52 +12792,6 @@
           </a:p>
         </p:txBody>
       </p:sp>
-      <p:pic>
-        <p:nvPicPr>
-          <p:cNvPr id="8" name="그림 7"/>
-          <p:cNvPicPr>
-            <a:picLocks noChangeAspect="1"/>
-          </p:cNvPicPr>
-          <p:nvPr/>
-        </p:nvPicPr>
-        <p:blipFill rotWithShape="1">
-          <a:blip r:embed="rId4"/>
-          <a:srcRect l="32437" t="19005" r="55226" b="77125"/>
-          <a:stretch/>
-        </p:blipFill>
-        <p:spPr>
-          <a:xfrm>
-            <a:off x="2598715" y="2063810"/>
-            <a:ext cx="1222049" cy="256372"/>
-          </a:xfrm>
-          <a:prstGeom prst="rect">
-            <a:avLst/>
-          </a:prstGeom>
-        </p:spPr>
-      </p:pic>
-      <p:pic>
-        <p:nvPicPr>
-          <p:cNvPr id="9" name="그림 8"/>
-          <p:cNvPicPr>
-            <a:picLocks noChangeAspect="1"/>
-          </p:cNvPicPr>
-          <p:nvPr/>
-        </p:nvPicPr>
-        <p:blipFill rotWithShape="1">
-          <a:blip r:embed="rId5"/>
-          <a:srcRect l="32437" t="19263" r="58505" b="77383"/>
-          <a:stretch/>
-        </p:blipFill>
-        <p:spPr>
-          <a:xfrm>
-            <a:off x="2598715" y="2549000"/>
-            <a:ext cx="897309" cy="222191"/>
-          </a:xfrm>
-          <a:prstGeom prst="rect">
-            <a:avLst/>
-          </a:prstGeom>
-        </p:spPr>
-      </p:pic>
       <p:sp>
         <p:nvSpPr>
           <p:cNvPr id="26" name="모서리가 둥근 직사각형 25"/>
@@ -13117,22 +12979,27 @@
       </p:grpSpPr>
       <p:pic>
         <p:nvPicPr>
-          <p:cNvPr id="11" name="그림 10"/>
+          <p:cNvPr id="5" name="그림 4"/>
           <p:cNvPicPr>
             <a:picLocks noChangeAspect="1"/>
           </p:cNvPicPr>
           <p:nvPr/>
         </p:nvPicPr>
-        <p:blipFill>
-          <a:blip r:embed="rId3"/>
-          <a:stretch>
-            <a:fillRect/>
-          </a:stretch>
+        <p:blipFill rotWithShape="1">
+          <a:blip r:embed="rId3" cstate="screen">
+            <a:extLst>
+              <a:ext uri="{28A0092B-C50C-407E-A947-70E740481C1C}">
+                <a14:useLocalDpi xmlns:a14="http://schemas.microsoft.com/office/drawing/2010/main"/>
+              </a:ext>
+            </a:extLst>
+          </a:blip>
+          <a:srcRect/>
+          <a:stretch/>
         </p:blipFill>
         <p:spPr>
           <a:xfrm>
-            <a:off x="299519" y="1128998"/>
-            <a:ext cx="6896372" cy="4611542"/>
+            <a:off x="226314" y="1110280"/>
+            <a:ext cx="7087449" cy="4693921"/>
           </a:xfrm>
           <a:prstGeom prst="rect">
             <a:avLst/>
@@ -13160,11 +13027,7 @@
             </a:r>
             <a:r>
               <a:rPr lang="en-US" altLang="ko-KR" dirty="0" smtClean="0"/>
-              <a:t>– </a:t>
-            </a:r>
-            <a:r>
-              <a:rPr lang="en-US" altLang="ko-KR" dirty="0" smtClean="0"/>
-              <a:t>Use Tab Scroll</a:t>
+              <a:t>– Use Tab Scroll</a:t>
             </a:r>
             <a:endParaRPr lang="ko-KR" altLang="en-US" dirty="0"/>
           </a:p>
@@ -13235,7 +13098,7 @@
           <p:cNvPr id="15" name="TextBox 14">
             <a:extLst>
               <a:ext uri="{FF2B5EF4-FFF2-40B4-BE49-F238E27FC236}">
-                <a16:creationId xmlns="" xmlns:a16="http://schemas.microsoft.com/office/drawing/2014/main" id="{5A69657B-5773-41EF-98A0-8A9B15AF419B}"/>
+                <a16:creationId xmlns:a16="http://schemas.microsoft.com/office/drawing/2014/main" xmlns="" id="{5A69657B-5773-41EF-98A0-8A9B15AF419B}"/>
               </a:ext>
             </a:extLst>
           </p:cNvPr>
@@ -13431,6 +13294,22 @@
               </a:rPr>
               <a:t>,</a:t>
             </a:r>
+          </a:p>
+          <a:p>
+            <a:pPr indent="-243610" defTabSz="540000" fontAlgn="auto">
+              <a:lnSpc>
+                <a:spcPct val="100000"/>
+              </a:lnSpc>
+              <a:spcBef>
+                <a:spcPts val="0"/>
+              </a:spcBef>
+              <a:spcAft>
+                <a:spcPts val="0"/>
+              </a:spcAft>
+              <a:buClrTx/>
+              <a:buFont typeface="+mj-lt"/>
+              <a:buAutoNum type="arabicPeriod"/>
+            </a:pPr>
             <a:endParaRPr kumimoji="0" lang="en-US" altLang="ko-KR" sz="900" b="0" dirty="0" smtClean="0">
               <a:solidFill>
                 <a:srgbClr val="1A262F"/>
@@ -13454,6 +13333,29 @@
               <a:buFont typeface="+mj-lt"/>
               <a:buAutoNum type="arabicPeriod"/>
             </a:pPr>
+            <a:endParaRPr kumimoji="0" lang="en-US" altLang="ko-KR" sz="900" b="0" dirty="0">
+              <a:solidFill>
+                <a:srgbClr val="1A262F"/>
+              </a:solidFill>
+              <a:latin typeface="맑은 고딕" pitchFamily="50" charset="-127"/>
+              <a:ea typeface="맑은 고딕" pitchFamily="50" charset="-127"/>
+            </a:endParaRPr>
+          </a:p>
+          <a:p>
+            <a:pPr indent="-243610" defTabSz="540000" fontAlgn="auto">
+              <a:lnSpc>
+                <a:spcPct val="100000"/>
+              </a:lnSpc>
+              <a:spcBef>
+                <a:spcPts val="0"/>
+              </a:spcBef>
+              <a:spcAft>
+                <a:spcPts val="0"/>
+              </a:spcAft>
+              <a:buClrTx/>
+              <a:buFont typeface="+mj-lt"/>
+              <a:buAutoNum type="arabicPeriod"/>
+            </a:pPr>
             <a:endParaRPr kumimoji="0" lang="en-US" altLang="ko-KR" sz="900" b="0" dirty="0" smtClean="0">
               <a:solidFill>
                 <a:srgbClr val="1A262F"/>
@@ -13477,29 +13379,16 @@
               <a:buFont typeface="+mj-lt"/>
               <a:buAutoNum type="arabicPeriod"/>
             </a:pPr>
-            <a:endParaRPr kumimoji="0" lang="en-US" altLang="ko-KR" sz="900" b="0" dirty="0">
-              <a:solidFill>
-                <a:srgbClr val="1A262F"/>
-              </a:solidFill>
-              <a:latin typeface="맑은 고딕" pitchFamily="50" charset="-127"/>
-              <a:ea typeface="맑은 고딕" pitchFamily="50" charset="-127"/>
-            </a:endParaRPr>
-          </a:p>
-          <a:p>
-            <a:pPr indent="-243610" defTabSz="540000" fontAlgn="auto">
-              <a:lnSpc>
-                <a:spcPct val="100000"/>
-              </a:lnSpc>
-              <a:spcBef>
-                <a:spcPts val="0"/>
-              </a:spcBef>
-              <a:spcAft>
-                <a:spcPts val="0"/>
-              </a:spcAft>
-              <a:buClrTx/>
-              <a:buFont typeface="+mj-lt"/>
-              <a:buAutoNum type="arabicPeriod"/>
-            </a:pPr>
+            <a:r>
+              <a:rPr kumimoji="0" lang="ko-KR" altLang="en-US" sz="900" b="0" dirty="0" smtClean="0">
+                <a:solidFill>
+                  <a:srgbClr val="1A262F"/>
+                </a:solidFill>
+                <a:latin typeface="맑은 고딕" pitchFamily="50" charset="-127"/>
+                <a:ea typeface="맑은 고딕" pitchFamily="50" charset="-127"/>
+              </a:rPr>
+              <a:t>메뉴에 체크 해제 되어 있는 경우</a:t>
+            </a:r>
             <a:endParaRPr kumimoji="0" lang="en-US" altLang="ko-KR" sz="900" b="0" dirty="0" smtClean="0">
               <a:solidFill>
                 <a:srgbClr val="1A262F"/>
@@ -13509,7 +13398,7 @@
             </a:endParaRPr>
           </a:p>
           <a:p>
-            <a:pPr indent="-243610" defTabSz="540000" fontAlgn="auto">
+            <a:pPr lvl="1" indent="-243610" defTabSz="540000" fontAlgn="auto">
               <a:lnSpc>
                 <a:spcPct val="100000"/>
               </a:lnSpc>
@@ -13531,31 +13420,18 @@
                 <a:latin typeface="맑은 고딕" pitchFamily="50" charset="-127"/>
                 <a:ea typeface="맑은 고딕" pitchFamily="50" charset="-127"/>
               </a:rPr>
-              <a:t>메뉴에 체크 해제 되어 있는 경우</a:t>
-            </a:r>
-            <a:endParaRPr kumimoji="0" lang="en-US" altLang="ko-KR" sz="900" b="0" dirty="0" smtClean="0">
-              <a:solidFill>
-                <a:srgbClr val="1A262F"/>
-              </a:solidFill>
-              <a:latin typeface="맑은 고딕" pitchFamily="50" charset="-127"/>
-              <a:ea typeface="맑은 고딕" pitchFamily="50" charset="-127"/>
-            </a:endParaRPr>
-          </a:p>
-          <a:p>
-            <a:pPr lvl="1" indent="-243610" defTabSz="540000" fontAlgn="auto">
-              <a:lnSpc>
-                <a:spcPct val="100000"/>
-              </a:lnSpc>
-              <a:spcBef>
-                <a:spcPts val="0"/>
-              </a:spcBef>
-              <a:spcAft>
-                <a:spcPts val="0"/>
-              </a:spcAft>
-              <a:buClrTx/>
-              <a:buFont typeface="+mj-lt"/>
-              <a:buAutoNum type="arabicPeriod"/>
-            </a:pPr>
+              <a:t>한 줄로 표시 되어 있지 않으며</a:t>
+            </a:r>
+            <a:r>
+              <a:rPr kumimoji="0" lang="en-US" altLang="ko-KR" sz="900" b="0" dirty="0" smtClean="0">
+                <a:solidFill>
+                  <a:srgbClr val="1A262F"/>
+                </a:solidFill>
+                <a:latin typeface="맑은 고딕" pitchFamily="50" charset="-127"/>
+                <a:ea typeface="맑은 고딕" pitchFamily="50" charset="-127"/>
+              </a:rPr>
+              <a:t>, </a:t>
+            </a:r>
             <a:r>
               <a:rPr kumimoji="0" lang="ko-KR" altLang="en-US" sz="900" b="0" dirty="0" smtClean="0">
                 <a:solidFill>
@@ -13564,26 +13440,6 @@
                 <a:latin typeface="맑은 고딕" pitchFamily="50" charset="-127"/>
                 <a:ea typeface="맑은 고딕" pitchFamily="50" charset="-127"/>
               </a:rPr>
-              <a:t>한 줄로 표시 되어 있지 않으며</a:t>
-            </a:r>
-            <a:r>
-              <a:rPr kumimoji="0" lang="en-US" altLang="ko-KR" sz="900" b="0" dirty="0" smtClean="0">
-                <a:solidFill>
-                  <a:srgbClr val="1A262F"/>
-                </a:solidFill>
-                <a:latin typeface="맑은 고딕" pitchFamily="50" charset="-127"/>
-                <a:ea typeface="맑은 고딕" pitchFamily="50" charset="-127"/>
-              </a:rPr>
-              <a:t>, </a:t>
-            </a:r>
-            <a:r>
-              <a:rPr kumimoji="0" lang="ko-KR" altLang="en-US" sz="900" b="0" dirty="0" smtClean="0">
-                <a:solidFill>
-                  <a:srgbClr val="1A262F"/>
-                </a:solidFill>
-                <a:latin typeface="맑은 고딕" pitchFamily="50" charset="-127"/>
-                <a:ea typeface="맑은 고딕" pitchFamily="50" charset="-127"/>
-              </a:rPr>
               <a:t>모두 화면에 출력 되도록 함</a:t>
             </a:r>
             <a:r>
@@ -13596,13 +13452,6 @@
               </a:rPr>
               <a:t>.</a:t>
             </a:r>
-            <a:endParaRPr kumimoji="0" lang="en-US" altLang="ko-KR" sz="900" b="0" dirty="0" smtClean="0">
-              <a:solidFill>
-                <a:srgbClr val="1A262F"/>
-              </a:solidFill>
-              <a:latin typeface="맑은 고딕" pitchFamily="50" charset="-127"/>
-              <a:ea typeface="맑은 고딕" pitchFamily="50" charset="-127"/>
-            </a:endParaRPr>
           </a:p>
           <a:p>
             <a:pPr indent="-243610" defTabSz="540000" fontAlgn="auto">
@@ -13637,7 +13486,7 @@
         </p:nvSpPr>
         <p:spPr bwMode="auto">
           <a:xfrm>
-            <a:off x="5973842" y="1961260"/>
+            <a:off x="5838370" y="1961260"/>
             <a:ext cx="1222049" cy="333287"/>
           </a:xfrm>
           <a:prstGeom prst="roundRect">
@@ -13705,21 +13554,27 @@
       </p:sp>
       <p:pic>
         <p:nvPicPr>
-          <p:cNvPr id="13" name="그림 12"/>
+          <p:cNvPr id="6" name="그림 5"/>
           <p:cNvPicPr>
             <a:picLocks noChangeAspect="1"/>
           </p:cNvPicPr>
           <p:nvPr/>
         </p:nvPicPr>
         <p:blipFill rotWithShape="1">
-          <a:blip r:embed="rId4"/>
-          <a:srcRect l="26265" t="19287" b="70335"/>
+          <a:blip r:embed="rId4" cstate="screen">
+            <a:extLst>
+              <a:ext uri="{28A0092B-C50C-407E-A947-70E740481C1C}">
+                <a14:useLocalDpi xmlns:a14="http://schemas.microsoft.com/office/drawing/2010/main"/>
+              </a:ext>
+            </a:extLst>
+          </a:blip>
+          <a:srcRect/>
           <a:stretch/>
         </p:blipFill>
         <p:spPr>
           <a:xfrm>
-            <a:off x="2110811" y="2426502"/>
-            <a:ext cx="5085080" cy="478565"/>
+            <a:off x="2135033" y="2489276"/>
+            <a:ext cx="5217382" cy="364067"/>
           </a:xfrm>
           <a:prstGeom prst="rect">
             <a:avLst/>
@@ -13734,7 +13589,7 @@
         </p:nvSpPr>
         <p:spPr bwMode="auto">
           <a:xfrm>
-            <a:off x="5973842" y="2520056"/>
+            <a:off x="5254175" y="2520056"/>
             <a:ext cx="1222049" cy="333287"/>
           </a:xfrm>
           <a:prstGeom prst="roundRect">
@@ -13839,22 +13694,27 @@
       </p:grpSpPr>
       <p:pic>
         <p:nvPicPr>
-          <p:cNvPr id="5" name="그림 4"/>
+          <p:cNvPr id="6" name="그림 5"/>
           <p:cNvPicPr>
             <a:picLocks noChangeAspect="1"/>
           </p:cNvPicPr>
           <p:nvPr/>
         </p:nvPicPr>
-        <p:blipFill>
-          <a:blip r:embed="rId3"/>
-          <a:stretch>
-            <a:fillRect/>
-          </a:stretch>
+        <p:blipFill rotWithShape="1">
+          <a:blip r:embed="rId3" cstate="screen">
+            <a:extLst>
+              <a:ext uri="{28A0092B-C50C-407E-A947-70E740481C1C}">
+                <a14:useLocalDpi xmlns:a14="http://schemas.microsoft.com/office/drawing/2010/main"/>
+              </a:ext>
+            </a:extLst>
+          </a:blip>
+          <a:srcRect/>
+          <a:stretch/>
         </p:blipFill>
         <p:spPr>
           <a:xfrm>
-            <a:off x="299519" y="1113995"/>
-            <a:ext cx="6901927" cy="4615256"/>
+            <a:off x="227162" y="1197586"/>
+            <a:ext cx="7052733" cy="4707466"/>
           </a:xfrm>
           <a:prstGeom prst="rect">
             <a:avLst/>
@@ -13961,7 +13821,7 @@
           <p:cNvPr id="15" name="TextBox 14">
             <a:extLst>
               <a:ext uri="{FF2B5EF4-FFF2-40B4-BE49-F238E27FC236}">
-                <a16:creationId xmlns="" xmlns:a16="http://schemas.microsoft.com/office/drawing/2014/main" id="{5A69657B-5773-41EF-98A0-8A9B15AF419B}"/>
+                <a16:creationId xmlns:a16="http://schemas.microsoft.com/office/drawing/2014/main" xmlns="" id="{5A69657B-5773-41EF-98A0-8A9B15AF419B}"/>
               </a:ext>
             </a:extLst>
           </p:cNvPr>
@@ -14131,7 +13991,7 @@
             </a:endParaRPr>
           </a:p>
           <a:p>
-            <a:pPr indent="-243610" defTabSz="540000" fontAlgn="auto">
+            <a:pPr indent="-180000" defTabSz="540000" fontAlgn="auto">
               <a:lnSpc>
                 <a:spcPct val="100000"/>
               </a:lnSpc>
@@ -14227,7 +14087,7 @@
             </a:r>
           </a:p>
           <a:p>
-            <a:pPr lvl="1" indent="-243610" defTabSz="540000" fontAlgn="auto">
+            <a:pPr lvl="1" indent="-180000" defTabSz="540000" fontAlgn="auto">
               <a:lnSpc>
                 <a:spcPct val="100000"/>
               </a:lnSpc>
@@ -14280,7 +14140,7 @@
             </a:endParaRPr>
           </a:p>
           <a:p>
-            <a:pPr lvl="1" indent="-243610" defTabSz="540000" fontAlgn="auto">
+            <a:pPr lvl="1" indent="-180000" defTabSz="540000" fontAlgn="auto">
               <a:lnSpc>
                 <a:spcPct val="100000"/>
               </a:lnSpc>
@@ -14323,7 +14183,7 @@
             </a:endParaRPr>
           </a:p>
           <a:p>
-            <a:pPr lvl="1" indent="-243610" defTabSz="540000" fontAlgn="auto">
+            <a:pPr lvl="1" indent="-180000" defTabSz="540000" fontAlgn="auto">
               <a:lnSpc>
                 <a:spcPct val="100000"/>
               </a:lnSpc>
@@ -14412,7 +14272,7 @@
             </a:endParaRPr>
           </a:p>
           <a:p>
-            <a:pPr indent="-243610" defTabSz="540000" fontAlgn="auto">
+            <a:pPr indent="-180000" defTabSz="540000" fontAlgn="auto">
               <a:lnSpc>
                 <a:spcPct val="100000"/>
               </a:lnSpc>
@@ -14495,7 +14355,7 @@
             </a:endParaRPr>
           </a:p>
           <a:p>
-            <a:pPr indent="-243610" defTabSz="540000" fontAlgn="auto">
+            <a:pPr indent="-180000" defTabSz="540000" fontAlgn="auto">
               <a:lnSpc>
                 <a:spcPct val="100000"/>
               </a:lnSpc>
@@ -14518,7 +14378,7 @@
             </a:endParaRPr>
           </a:p>
           <a:p>
-            <a:pPr indent="-243610" defTabSz="540000" fontAlgn="auto">
+            <a:pPr indent="-180000" defTabSz="540000" fontAlgn="auto">
               <a:lnSpc>
                 <a:spcPct val="100000"/>
               </a:lnSpc>
@@ -14541,7 +14401,7 @@
             </a:endParaRPr>
           </a:p>
           <a:p>
-            <a:pPr indent="-243610" defTabSz="540000" fontAlgn="auto">
+            <a:pPr indent="-180000" defTabSz="540000" fontAlgn="auto">
               <a:lnSpc>
                 <a:spcPct val="100000"/>
               </a:lnSpc>
@@ -14627,7 +14487,7 @@
             </a:r>
           </a:p>
           <a:p>
-            <a:pPr lvl="1" indent="-243610" defTabSz="540000" fontAlgn="auto">
+            <a:pPr lvl="1" indent="-180000" defTabSz="540000" fontAlgn="auto">
               <a:lnSpc>
                 <a:spcPct val="100000"/>
               </a:lnSpc>
@@ -14713,7 +14573,7 @@
             </a:r>
           </a:p>
           <a:p>
-            <a:pPr lvl="1" indent="-243610" defTabSz="540000" fontAlgn="auto">
+            <a:pPr lvl="1" indent="-180000" defTabSz="540000" fontAlgn="auto">
               <a:lnSpc>
                 <a:spcPct val="100000"/>
               </a:lnSpc>
@@ -14796,7 +14656,7 @@
             </a:endParaRPr>
           </a:p>
           <a:p>
-            <a:pPr lvl="1" indent="-243610" defTabSz="540000" fontAlgn="auto">
+            <a:pPr lvl="1" indent="-180000" defTabSz="540000" fontAlgn="auto">
               <a:lnSpc>
                 <a:spcPct val="100000"/>
               </a:lnSpc>
@@ -14819,7 +14679,7 @@
             </a:endParaRPr>
           </a:p>
           <a:p>
-            <a:pPr indent="-243610" defTabSz="540000" fontAlgn="auto">
+            <a:pPr indent="-180000" defTabSz="540000" fontAlgn="auto">
               <a:lnSpc>
                 <a:spcPct val="100000"/>
               </a:lnSpc>
@@ -15048,7 +14908,7 @@
         </p:nvSpPr>
         <p:spPr bwMode="auto">
           <a:xfrm>
-            <a:off x="3702921" y="2010946"/>
+            <a:off x="3947077" y="1211896"/>
             <a:ext cx="273466" cy="273466"/>
           </a:xfrm>
           <a:prstGeom prst="ellipse">
@@ -15081,93 +14941,6 @@
           </a:p>
         </p:txBody>
       </p:sp>
-      <p:pic>
-        <p:nvPicPr>
-          <p:cNvPr id="10" name="그림 9"/>
-          <p:cNvPicPr>
-            <a:picLocks noChangeAspect="1"/>
-          </p:cNvPicPr>
-          <p:nvPr/>
-        </p:nvPicPr>
-        <p:blipFill>
-          <a:blip r:embed="rId4"/>
-          <a:stretch>
-            <a:fillRect/>
-          </a:stretch>
-        </p:blipFill>
-        <p:spPr>
-          <a:xfrm>
-            <a:off x="4010571" y="2010946"/>
-            <a:ext cx="3190875" cy="1419225"/>
-          </a:xfrm>
-          <a:prstGeom prst="rect">
-            <a:avLst/>
-          </a:prstGeom>
-          <a:ln w="28575">
-            <a:solidFill>
-              <a:srgbClr val="00B0F0"/>
-            </a:solidFill>
-          </a:ln>
-        </p:spPr>
-      </p:pic>
-      <p:pic>
-        <p:nvPicPr>
-          <p:cNvPr id="11" name="그림 10"/>
-          <p:cNvPicPr>
-            <a:picLocks noChangeAspect="1"/>
-          </p:cNvPicPr>
-          <p:nvPr/>
-        </p:nvPicPr>
-        <p:blipFill>
-          <a:blip r:embed="rId5"/>
-          <a:stretch>
-            <a:fillRect/>
-          </a:stretch>
-        </p:blipFill>
-        <p:spPr>
-          <a:xfrm>
-            <a:off x="4658271" y="3639841"/>
-            <a:ext cx="2543175" cy="1114425"/>
-          </a:xfrm>
-          <a:prstGeom prst="rect">
-            <a:avLst/>
-          </a:prstGeom>
-          <a:ln w="28575">
-            <a:solidFill>
-              <a:srgbClr val="00B0F0"/>
-            </a:solidFill>
-          </a:ln>
-        </p:spPr>
-      </p:pic>
-      <p:pic>
-        <p:nvPicPr>
-          <p:cNvPr id="12" name="그림 11"/>
-          <p:cNvPicPr>
-            <a:picLocks noChangeAspect="1"/>
-          </p:cNvPicPr>
-          <p:nvPr/>
-        </p:nvPicPr>
-        <p:blipFill>
-          <a:blip r:embed="rId6"/>
-          <a:stretch>
-            <a:fillRect/>
-          </a:stretch>
-        </p:blipFill>
-        <p:spPr>
-          <a:xfrm>
-            <a:off x="4686846" y="4963935"/>
-            <a:ext cx="2514600" cy="1143000"/>
-          </a:xfrm>
-          <a:prstGeom prst="rect">
-            <a:avLst/>
-          </a:prstGeom>
-          <a:ln w="28575">
-            <a:solidFill>
-              <a:srgbClr val="00B0F0"/>
-            </a:solidFill>
-          </a:ln>
-        </p:spPr>
-      </p:pic>
       <p:sp>
         <p:nvSpPr>
           <p:cNvPr id="34" name="타원 33"/>
@@ -15176,7 +14949,7 @@
         </p:nvSpPr>
         <p:spPr bwMode="auto">
           <a:xfrm>
-            <a:off x="4349499" y="3639841"/>
+            <a:off x="3933250" y="2597281"/>
             <a:ext cx="273466" cy="273466"/>
           </a:xfrm>
           <a:prstGeom prst="ellipse">
@@ -15217,7 +14990,7 @@
         </p:nvSpPr>
         <p:spPr bwMode="auto">
           <a:xfrm>
-            <a:off x="4379196" y="4963935"/>
+            <a:off x="3950184" y="3570546"/>
             <a:ext cx="273466" cy="273466"/>
           </a:xfrm>
           <a:prstGeom prst="ellipse">
@@ -15245,6 +15018,183 @@
             <a:r>
               <a:rPr lang="en-US" altLang="ko-KR" dirty="0" smtClean="0"/>
               <a:t>3</a:t>
+            </a:r>
+            <a:endParaRPr lang="ko-KR" altLang="en-US" dirty="0"/>
+          </a:p>
+        </p:txBody>
+      </p:sp>
+      <p:pic>
+        <p:nvPicPr>
+          <p:cNvPr id="9" name="그림 8"/>
+          <p:cNvPicPr>
+            <a:picLocks noChangeAspect="1"/>
+          </p:cNvPicPr>
+          <p:nvPr/>
+        </p:nvPicPr>
+        <p:blipFill rotWithShape="1">
+          <a:blip r:embed="rId4" cstate="screen">
+            <a:extLst>
+              <a:ext uri="{28A0092B-C50C-407E-A947-70E740481C1C}">
+                <a14:useLocalDpi xmlns:a14="http://schemas.microsoft.com/office/drawing/2010/main"/>
+              </a:ext>
+            </a:extLst>
+          </a:blip>
+          <a:srcRect/>
+          <a:stretch/>
+        </p:blipFill>
+        <p:spPr>
+          <a:xfrm>
+            <a:off x="4254411" y="1211896"/>
+            <a:ext cx="2305665" cy="1264396"/>
+          </a:xfrm>
+          <a:prstGeom prst="rect">
+            <a:avLst/>
+          </a:prstGeom>
+          <a:ln w="28575">
+            <a:solidFill>
+              <a:srgbClr val="00B0F0"/>
+            </a:solidFill>
+          </a:ln>
+        </p:spPr>
+      </p:pic>
+      <p:pic>
+        <p:nvPicPr>
+          <p:cNvPr id="13" name="그림 12"/>
+          <p:cNvPicPr>
+            <a:picLocks noChangeAspect="1"/>
+          </p:cNvPicPr>
+          <p:nvPr/>
+        </p:nvPicPr>
+        <p:blipFill rotWithShape="1">
+          <a:blip r:embed="rId5" cstate="screen">
+            <a:extLst>
+              <a:ext uri="{28A0092B-C50C-407E-A947-70E740481C1C}">
+                <a14:useLocalDpi xmlns:a14="http://schemas.microsoft.com/office/drawing/2010/main"/>
+              </a:ext>
+            </a:extLst>
+          </a:blip>
+          <a:srcRect/>
+          <a:stretch/>
+        </p:blipFill>
+        <p:spPr>
+          <a:xfrm>
+            <a:off x="4240584" y="2563348"/>
+            <a:ext cx="2107328" cy="917305"/>
+          </a:xfrm>
+          <a:prstGeom prst="rect">
+            <a:avLst/>
+          </a:prstGeom>
+          <a:ln w="28575">
+            <a:solidFill>
+              <a:srgbClr val="00B0F0"/>
+            </a:solidFill>
+          </a:ln>
+        </p:spPr>
+      </p:pic>
+      <p:pic>
+        <p:nvPicPr>
+          <p:cNvPr id="14" name="그림 13"/>
+          <p:cNvPicPr>
+            <a:picLocks noChangeAspect="1"/>
+          </p:cNvPicPr>
+          <p:nvPr/>
+        </p:nvPicPr>
+        <p:blipFill rotWithShape="1">
+          <a:blip r:embed="rId6" cstate="screen">
+            <a:extLst>
+              <a:ext uri="{28A0092B-C50C-407E-A947-70E740481C1C}">
+                <a14:useLocalDpi xmlns:a14="http://schemas.microsoft.com/office/drawing/2010/main"/>
+              </a:ext>
+            </a:extLst>
+          </a:blip>
+          <a:srcRect/>
+          <a:stretch/>
+        </p:blipFill>
+        <p:spPr>
+          <a:xfrm>
+            <a:off x="4240584" y="3578275"/>
+            <a:ext cx="2107328" cy="942097"/>
+          </a:xfrm>
+          <a:prstGeom prst="rect">
+            <a:avLst/>
+          </a:prstGeom>
+          <a:ln w="28575">
+            <a:solidFill>
+              <a:srgbClr val="00B0F0"/>
+            </a:solidFill>
+          </a:ln>
+        </p:spPr>
+      </p:pic>
+      <p:pic>
+        <p:nvPicPr>
+          <p:cNvPr id="16" name="그림 15"/>
+          <p:cNvPicPr>
+            <a:picLocks noChangeAspect="1"/>
+          </p:cNvPicPr>
+          <p:nvPr/>
+        </p:nvPicPr>
+        <p:blipFill rotWithShape="1">
+          <a:blip r:embed="rId7" cstate="screen">
+            <a:extLst>
+              <a:ext uri="{28A0092B-C50C-407E-A947-70E740481C1C}">
+                <a14:useLocalDpi xmlns:a14="http://schemas.microsoft.com/office/drawing/2010/main"/>
+              </a:ext>
+            </a:extLst>
+          </a:blip>
+          <a:srcRect/>
+          <a:stretch/>
+        </p:blipFill>
+        <p:spPr>
+          <a:xfrm>
+            <a:off x="2463799" y="4662791"/>
+            <a:ext cx="4351867" cy="990600"/>
+          </a:xfrm>
+          <a:prstGeom prst="rect">
+            <a:avLst/>
+          </a:prstGeom>
+          <a:ln w="28575">
+            <a:solidFill>
+              <a:srgbClr val="00B0F0"/>
+            </a:solidFill>
+          </a:ln>
+        </p:spPr>
+      </p:pic>
+      <p:sp>
+        <p:nvSpPr>
+          <p:cNvPr id="20" name="타원 19"/>
+          <p:cNvSpPr/>
+          <p:nvPr/>
+        </p:nvSpPr>
+        <p:spPr bwMode="auto">
+          <a:xfrm>
+            <a:off x="2503649" y="4383639"/>
+            <a:ext cx="273466" cy="273466"/>
+          </a:xfrm>
+          <a:prstGeom prst="ellipse">
+            <a:avLst/>
+          </a:prstGeom>
+          <a:solidFill>
+            <a:schemeClr val="bg1"/>
+          </a:solidFill>
+          <a:ln w="28575">
+            <a:solidFill>
+              <a:srgbClr val="00B0F0"/>
+            </a:solidFill>
+            <a:round/>
+            <a:headEnd/>
+            <a:tailEnd/>
+          </a:ln>
+        </p:spPr>
+        <p:txBody>
+          <a:bodyPr rtlCol="0" anchor="ctr"/>
+          <a:lstStyle/>
+          <a:p>
+            <a:pPr algn="ctr">
+              <a:buNone/>
+            </a:pPr>
+            <a:r>
+              <a:rPr lang="en-US" altLang="ko-KR" dirty="0" smtClean="0"/>
+              <a:t>4</a:t>
             </a:r>
             <a:endParaRPr lang="ko-KR" altLang="en-US" dirty="0"/>
           </a:p>
@@ -15289,22 +15239,27 @@
       </p:grpSpPr>
       <p:pic>
         <p:nvPicPr>
-          <p:cNvPr id="6" name="그림 5"/>
+          <p:cNvPr id="7" name="그림 6"/>
           <p:cNvPicPr>
             <a:picLocks noChangeAspect="1"/>
           </p:cNvPicPr>
           <p:nvPr/>
         </p:nvPicPr>
-        <p:blipFill>
-          <a:blip r:embed="rId3"/>
-          <a:stretch>
-            <a:fillRect/>
-          </a:stretch>
+        <p:blipFill rotWithShape="1">
+          <a:blip r:embed="rId3" cstate="screen">
+            <a:extLst>
+              <a:ext uri="{28A0092B-C50C-407E-A947-70E740481C1C}">
+                <a14:useLocalDpi xmlns:a14="http://schemas.microsoft.com/office/drawing/2010/main"/>
+              </a:ext>
+            </a:extLst>
+          </a:blip>
+          <a:srcRect/>
+          <a:stretch/>
         </p:blipFill>
         <p:spPr>
           <a:xfrm>
-            <a:off x="299519" y="1117710"/>
-            <a:ext cx="6896372" cy="4611542"/>
+            <a:off x="215010" y="1113994"/>
+            <a:ext cx="7065390" cy="4711782"/>
           </a:xfrm>
           <a:prstGeom prst="rect">
             <a:avLst/>
@@ -15403,7 +15358,7 @@
           <p:cNvPr id="15" name="TextBox 14">
             <a:extLst>
               <a:ext uri="{FF2B5EF4-FFF2-40B4-BE49-F238E27FC236}">
-                <a16:creationId xmlns="" xmlns:a16="http://schemas.microsoft.com/office/drawing/2014/main" id="{5A69657B-5773-41EF-98A0-8A9B15AF419B}"/>
+                <a16:creationId xmlns:a16="http://schemas.microsoft.com/office/drawing/2014/main" xmlns="" id="{5A69657B-5773-41EF-98A0-8A9B15AF419B}"/>
               </a:ext>
             </a:extLst>
           </p:cNvPr>
@@ -15645,7 +15600,7 @@
             </a:endParaRPr>
           </a:p>
           <a:p>
-            <a:pPr indent="-243610" defTabSz="540000" fontAlgn="auto">
+            <a:pPr indent="-180000" defTabSz="540000" fontAlgn="auto">
               <a:lnSpc>
                 <a:spcPct val="100000"/>
               </a:lnSpc>
@@ -15768,7 +15723,7 @@
             </a:endParaRPr>
           </a:p>
           <a:p>
-            <a:pPr indent="-243610" defTabSz="540000" fontAlgn="auto">
+            <a:pPr indent="-180000" defTabSz="540000" fontAlgn="auto">
               <a:lnSpc>
                 <a:spcPct val="100000"/>
               </a:lnSpc>
@@ -15791,7 +15746,7 @@
             </a:endParaRPr>
           </a:p>
           <a:p>
-            <a:pPr indent="-243610" defTabSz="540000" fontAlgn="auto">
+            <a:pPr indent="-180000" defTabSz="540000" fontAlgn="auto">
               <a:lnSpc>
                 <a:spcPct val="100000"/>
               </a:lnSpc>
@@ -15814,7 +15769,7 @@
             </a:endParaRPr>
           </a:p>
           <a:p>
-            <a:pPr indent="-243610" defTabSz="540000" fontAlgn="auto">
+            <a:pPr indent="-180000" defTabSz="540000" fontAlgn="auto">
               <a:lnSpc>
                 <a:spcPct val="100000"/>
               </a:lnSpc>
@@ -15837,7 +15792,7 @@
             </a:endParaRPr>
           </a:p>
           <a:p>
-            <a:pPr indent="-243610" defTabSz="540000" fontAlgn="auto">
+            <a:pPr indent="-180000" defTabSz="540000" fontAlgn="auto">
               <a:lnSpc>
                 <a:spcPct val="100000"/>
               </a:lnSpc>
@@ -15880,7 +15835,7 @@
             </a:endParaRPr>
           </a:p>
           <a:p>
-            <a:pPr lvl="1" indent="-243610" defTabSz="540000" fontAlgn="auto">
+            <a:pPr lvl="1" indent="-180000" defTabSz="540000" fontAlgn="auto">
               <a:lnSpc>
                 <a:spcPct val="100000"/>
               </a:lnSpc>
@@ -15943,7 +15898,7 @@
             </a:endParaRPr>
           </a:p>
           <a:p>
-            <a:pPr lvl="1" indent="-243610" defTabSz="540000" fontAlgn="auto">
+            <a:pPr lvl="1" indent="-180000" defTabSz="540000" fontAlgn="auto">
               <a:lnSpc>
                 <a:spcPct val="100000"/>
               </a:lnSpc>
@@ -15966,7 +15921,7 @@
             </a:endParaRPr>
           </a:p>
           <a:p>
-            <a:pPr indent="-243610" defTabSz="540000" fontAlgn="auto">
+            <a:pPr indent="-180000" defTabSz="540000" fontAlgn="auto">
               <a:lnSpc>
                 <a:spcPct val="100000"/>
               </a:lnSpc>
@@ -15989,7 +15944,7 @@
             </a:endParaRPr>
           </a:p>
           <a:p>
-            <a:pPr indent="-243610" defTabSz="540000" fontAlgn="auto">
+            <a:pPr indent="-180000" defTabSz="540000" fontAlgn="auto">
               <a:lnSpc>
                 <a:spcPct val="100000"/>
               </a:lnSpc>
@@ -16012,7 +15967,7 @@
             </a:endParaRPr>
           </a:p>
           <a:p>
-            <a:pPr indent="-243610" defTabSz="540000" fontAlgn="auto">
+            <a:pPr indent="-180000" defTabSz="540000" fontAlgn="auto">
               <a:lnSpc>
                 <a:spcPct val="100000"/>
               </a:lnSpc>
@@ -16077,6 +16032,16 @@
               <a:t>Schema </a:t>
             </a:r>
             <a:r>
+              <a:rPr kumimoji="0" lang="en-US" altLang="ko-KR" sz="900" b="0" dirty="0" smtClean="0">
+                <a:solidFill>
+                  <a:srgbClr val="1A262F"/>
+                </a:solidFill>
+                <a:latin typeface="맑은 고딕" pitchFamily="50" charset="-127"/>
+                <a:ea typeface="맑은 고딕" pitchFamily="50" charset="-127"/>
+              </a:rPr>
+              <a:t>(Children </a:t>
+            </a:r>
+            <a:r>
               <a:rPr kumimoji="0" lang="ko-KR" altLang="en-US" sz="900" b="0" dirty="0" smtClean="0">
                 <a:solidFill>
                   <a:srgbClr val="1A262F"/>
@@ -16084,7 +16049,37 @@
                 <a:latin typeface="맑은 고딕" pitchFamily="50" charset="-127"/>
                 <a:ea typeface="맑은 고딕" pitchFamily="50" charset="-127"/>
               </a:rPr>
-              <a:t>를 확인 할 수 있도록 함</a:t>
+              <a:t>포함</a:t>
+            </a:r>
+            <a:r>
+              <a:rPr kumimoji="0" lang="en-US" altLang="ko-KR" sz="900" b="0" dirty="0" smtClean="0">
+                <a:solidFill>
+                  <a:srgbClr val="1A262F"/>
+                </a:solidFill>
+                <a:latin typeface="맑은 고딕" pitchFamily="50" charset="-127"/>
+                <a:ea typeface="맑은 고딕" pitchFamily="50" charset="-127"/>
+              </a:rPr>
+              <a:t>) </a:t>
+            </a:r>
+            <a:r>
+              <a:rPr kumimoji="0" lang="ko-KR" altLang="en-US" sz="900" b="0" dirty="0" smtClean="0">
+                <a:solidFill>
+                  <a:srgbClr val="1A262F"/>
+                </a:solidFill>
+                <a:latin typeface="맑은 고딕" pitchFamily="50" charset="-127"/>
+                <a:ea typeface="맑은 고딕" pitchFamily="50" charset="-127"/>
+              </a:rPr>
+              <a:t>를 </a:t>
+            </a:r>
+            <a:r>
+              <a:rPr kumimoji="0" lang="ko-KR" altLang="en-US" sz="900" b="0" dirty="0" smtClean="0">
+                <a:solidFill>
+                  <a:srgbClr val="1A262F"/>
+                </a:solidFill>
+                <a:latin typeface="맑은 고딕" pitchFamily="50" charset="-127"/>
+                <a:ea typeface="맑은 고딕" pitchFamily="50" charset="-127"/>
+              </a:rPr>
+              <a:t>확인 할 수 있도록 함</a:t>
             </a:r>
             <a:r>
               <a:rPr kumimoji="0" lang="en-US" altLang="ko-KR" sz="900" b="0" dirty="0" smtClean="0">
@@ -16098,7 +16093,7 @@
             </a:r>
           </a:p>
           <a:p>
-            <a:pPr indent="-243610" defTabSz="540000" fontAlgn="auto">
+            <a:pPr indent="-180000" defTabSz="540000" fontAlgn="auto">
               <a:lnSpc>
                 <a:spcPct val="100000"/>
               </a:lnSpc>
@@ -16121,7 +16116,7 @@
             </a:endParaRPr>
           </a:p>
           <a:p>
-            <a:pPr indent="-243610" defTabSz="540000" fontAlgn="auto">
+            <a:pPr indent="-180000" defTabSz="540000" fontAlgn="auto">
               <a:lnSpc>
                 <a:spcPct val="100000"/>
               </a:lnSpc>
@@ -16144,7 +16139,7 @@
             </a:endParaRPr>
           </a:p>
           <a:p>
-            <a:pPr indent="-243610" defTabSz="540000" fontAlgn="auto">
+            <a:pPr indent="-180000" defTabSz="540000" fontAlgn="auto">
               <a:lnSpc>
                 <a:spcPct val="100000"/>
               </a:lnSpc>
@@ -16167,7 +16162,7 @@
             </a:endParaRPr>
           </a:p>
           <a:p>
-            <a:pPr indent="-243610" defTabSz="540000" fontAlgn="auto">
+            <a:pPr indent="-180000" defTabSz="540000" fontAlgn="auto">
               <a:lnSpc>
                 <a:spcPct val="100000"/>
               </a:lnSpc>
@@ -16250,64 +16245,6 @@
           </a:p>
         </p:txBody>
       </p:sp>
-      <p:pic>
-        <p:nvPicPr>
-          <p:cNvPr id="9" name="그림 8"/>
-          <p:cNvPicPr>
-            <a:picLocks noChangeAspect="1"/>
-          </p:cNvPicPr>
-          <p:nvPr/>
-        </p:nvPicPr>
-        <p:blipFill>
-          <a:blip r:embed="rId4"/>
-          <a:stretch>
-            <a:fillRect/>
-          </a:stretch>
-        </p:blipFill>
-        <p:spPr>
-          <a:xfrm>
-            <a:off x="2136864" y="1336171"/>
-            <a:ext cx="2397351" cy="923159"/>
-          </a:xfrm>
-          <a:prstGeom prst="rect">
-            <a:avLst/>
-          </a:prstGeom>
-          <a:ln w="28575">
-            <a:solidFill>
-              <a:srgbClr val="00B0F0"/>
-            </a:solidFill>
-          </a:ln>
-        </p:spPr>
-      </p:pic>
-      <p:pic>
-        <p:nvPicPr>
-          <p:cNvPr id="13" name="그림 12"/>
-          <p:cNvPicPr>
-            <a:picLocks noChangeAspect="1"/>
-          </p:cNvPicPr>
-          <p:nvPr/>
-        </p:nvPicPr>
-        <p:blipFill>
-          <a:blip r:embed="rId5"/>
-          <a:stretch>
-            <a:fillRect/>
-          </a:stretch>
-        </p:blipFill>
-        <p:spPr>
-          <a:xfrm>
-            <a:off x="624448" y="2446625"/>
-            <a:ext cx="4648621" cy="2667338"/>
-          </a:xfrm>
-          <a:prstGeom prst="rect">
-            <a:avLst/>
-          </a:prstGeom>
-          <a:ln w="28575">
-            <a:solidFill>
-              <a:srgbClr val="00B0F0"/>
-            </a:solidFill>
-          </a:ln>
-        </p:spPr>
-      </p:pic>
       <p:sp>
         <p:nvSpPr>
           <p:cNvPr id="22" name="모서리가 둥근 직사각형 21"/>
@@ -16464,34 +16401,6 @@
           </a:p>
         </p:txBody>
       </p:sp>
-      <p:pic>
-        <p:nvPicPr>
-          <p:cNvPr id="14" name="그림 13"/>
-          <p:cNvPicPr>
-            <a:picLocks noChangeAspect="1"/>
-          </p:cNvPicPr>
-          <p:nvPr/>
-        </p:nvPicPr>
-        <p:blipFill rotWithShape="1">
-          <a:blip r:embed="rId6"/>
-          <a:srcRect b="71235"/>
-          <a:stretch/>
-        </p:blipFill>
-        <p:spPr>
-          <a:xfrm>
-            <a:off x="614871" y="5208874"/>
-            <a:ext cx="4226019" cy="917129"/>
-          </a:xfrm>
-          <a:prstGeom prst="rect">
-            <a:avLst/>
-          </a:prstGeom>
-          <a:ln w="28575">
-            <a:solidFill>
-              <a:srgbClr val="00B0F0"/>
-            </a:solidFill>
-          </a:ln>
-        </p:spPr>
-      </p:pic>
       <p:sp>
         <p:nvSpPr>
           <p:cNvPr id="27" name="타원 26"/>
@@ -16527,12 +16436,114 @@
             </a:pPr>
             <a:r>
               <a:rPr lang="en-US" altLang="ko-KR" dirty="0" smtClean="0"/>
-              <a:t>4</a:t>
+              <a:t>3</a:t>
             </a:r>
             <a:endParaRPr lang="ko-KR" altLang="en-US" dirty="0"/>
           </a:p>
         </p:txBody>
       </p:sp>
+      <p:pic>
+        <p:nvPicPr>
+          <p:cNvPr id="5" name="그림 4"/>
+          <p:cNvPicPr>
+            <a:picLocks noChangeAspect="1"/>
+          </p:cNvPicPr>
+          <p:nvPr/>
+        </p:nvPicPr>
+        <p:blipFill rotWithShape="1">
+          <a:blip r:embed="rId4" cstate="screen">
+            <a:extLst>
+              <a:ext uri="{28A0092B-C50C-407E-A947-70E740481C1C}">
+                <a14:useLocalDpi xmlns:a14="http://schemas.microsoft.com/office/drawing/2010/main"/>
+              </a:ext>
+            </a:extLst>
+          </a:blip>
+          <a:srcRect/>
+          <a:stretch/>
+        </p:blipFill>
+        <p:spPr>
+          <a:xfrm>
+            <a:off x="2375774" y="1033399"/>
+            <a:ext cx="2099572" cy="1016475"/>
+          </a:xfrm>
+          <a:prstGeom prst="rect">
+            <a:avLst/>
+          </a:prstGeom>
+          <a:ln w="28575">
+            <a:solidFill>
+              <a:srgbClr val="00B0F0"/>
+            </a:solidFill>
+          </a:ln>
+        </p:spPr>
+      </p:pic>
+      <p:pic>
+        <p:nvPicPr>
+          <p:cNvPr id="8" name="그림 7"/>
+          <p:cNvPicPr>
+            <a:picLocks noChangeAspect="1"/>
+          </p:cNvPicPr>
+          <p:nvPr/>
+        </p:nvPicPr>
+        <p:blipFill rotWithShape="1">
+          <a:blip r:embed="rId5" cstate="screen">
+            <a:extLst>
+              <a:ext uri="{28A0092B-C50C-407E-A947-70E740481C1C}">
+                <a14:useLocalDpi xmlns:a14="http://schemas.microsoft.com/office/drawing/2010/main"/>
+              </a:ext>
+            </a:extLst>
+          </a:blip>
+          <a:srcRect/>
+          <a:stretch/>
+        </p:blipFill>
+        <p:spPr>
+          <a:xfrm>
+            <a:off x="619868" y="2261960"/>
+            <a:ext cx="4665981" cy="2415850"/>
+          </a:xfrm>
+          <a:prstGeom prst="rect">
+            <a:avLst/>
+          </a:prstGeom>
+          <a:ln w="28575">
+            <a:solidFill>
+              <a:srgbClr val="00B0F0"/>
+            </a:solidFill>
+          </a:ln>
+        </p:spPr>
+      </p:pic>
+      <p:pic>
+        <p:nvPicPr>
+          <p:cNvPr id="10" name="그림 9"/>
+          <p:cNvPicPr>
+            <a:picLocks noChangeAspect="1"/>
+          </p:cNvPicPr>
+          <p:nvPr/>
+        </p:nvPicPr>
+        <p:blipFill rotWithShape="1">
+          <a:blip r:embed="rId6" cstate="screen">
+            <a:extLst>
+              <a:ext uri="{28A0092B-C50C-407E-A947-70E740481C1C}">
+                <a14:useLocalDpi xmlns:a14="http://schemas.microsoft.com/office/drawing/2010/main"/>
+              </a:ext>
+            </a:extLst>
+          </a:blip>
+          <a:srcRect/>
+          <a:stretch/>
+        </p:blipFill>
+        <p:spPr>
+          <a:xfrm>
+            <a:off x="598591" y="4780464"/>
+            <a:ext cx="4827515" cy="1130286"/>
+          </a:xfrm>
+          <a:prstGeom prst="rect">
+            <a:avLst/>
+          </a:prstGeom>
+          <a:ln w="28575">
+            <a:solidFill>
+              <a:srgbClr val="00B0F0"/>
+            </a:solidFill>
+          </a:ln>
+        </p:spPr>
+      </p:pic>
     </p:spTree>
     <p:extLst>
       <p:ext uri="{BB962C8B-B14F-4D97-AF65-F5344CB8AC3E}">
@@ -16572,22 +16583,27 @@
       </p:grpSpPr>
       <p:pic>
         <p:nvPicPr>
-          <p:cNvPr id="16" name="그림 15"/>
+          <p:cNvPr id="5" name="그림 4"/>
           <p:cNvPicPr>
             <a:picLocks noChangeAspect="1"/>
           </p:cNvPicPr>
           <p:nvPr/>
         </p:nvPicPr>
-        <p:blipFill>
-          <a:blip r:embed="rId3"/>
-          <a:stretch>
-            <a:fillRect/>
-          </a:stretch>
+        <p:blipFill rotWithShape="1">
+          <a:blip r:embed="rId3" cstate="screen">
+            <a:extLst>
+              <a:ext uri="{28A0092B-C50C-407E-A947-70E740481C1C}">
+                <a14:useLocalDpi xmlns:a14="http://schemas.microsoft.com/office/drawing/2010/main"/>
+              </a:ext>
+            </a:extLst>
+          </a:blip>
+          <a:srcRect/>
+          <a:stretch/>
         </p:blipFill>
         <p:spPr>
           <a:xfrm>
-            <a:off x="299519" y="1113995"/>
-            <a:ext cx="6901929" cy="4615258"/>
+            <a:off x="208474" y="1288015"/>
+            <a:ext cx="7084018" cy="4721094"/>
           </a:xfrm>
           <a:prstGeom prst="rect">
             <a:avLst/>
@@ -16686,7 +16702,7 @@
           <p:cNvPr id="15" name="TextBox 14">
             <a:extLst>
               <a:ext uri="{FF2B5EF4-FFF2-40B4-BE49-F238E27FC236}">
-                <a16:creationId xmlns="" xmlns:a16="http://schemas.microsoft.com/office/drawing/2014/main" id="{5A69657B-5773-41EF-98A0-8A9B15AF419B}"/>
+                <a16:creationId xmlns:a16="http://schemas.microsoft.com/office/drawing/2014/main" xmlns="" id="{5A69657B-5773-41EF-98A0-8A9B15AF419B}"/>
               </a:ext>
             </a:extLst>
           </p:cNvPr>
@@ -16905,7 +16921,7 @@
             </a:endParaRPr>
           </a:p>
           <a:p>
-            <a:pPr indent="-243610" defTabSz="540000" fontAlgn="auto">
+            <a:pPr indent="-180000" defTabSz="540000" fontAlgn="auto">
               <a:lnSpc>
                 <a:spcPct val="100000"/>
               </a:lnSpc>
@@ -16977,11 +16993,28 @@
                 <a:latin typeface="맑은 고딕" pitchFamily="50" charset="-127"/>
                 <a:ea typeface="맑은 고딕" pitchFamily="50" charset="-127"/>
               </a:rPr>
-              <a:t>.</a:t>
-            </a:r>
-          </a:p>
-          <a:p>
-            <a:pPr indent="-243610" defTabSz="540000" fontAlgn="auto">
+              <a:t>. (</a:t>
+            </a:r>
+            <a:r>
+              <a:rPr kumimoji="0" lang="en-US" altLang="ko-KR" sz="900" b="0" dirty="0" smtClean="0">
+                <a:solidFill>
+                  <a:srgbClr val="1A262F"/>
+                </a:solidFill>
+                <a:latin typeface="맑은 고딕" pitchFamily="50" charset="-127"/>
+                <a:ea typeface="맑은 고딕" pitchFamily="50" charset="-127"/>
+              </a:rPr>
+              <a:t>Multiple)</a:t>
+            </a:r>
+            <a:endParaRPr kumimoji="0" lang="en-US" altLang="ko-KR" sz="900" b="0" dirty="0" smtClean="0">
+              <a:solidFill>
+                <a:srgbClr val="1A262F"/>
+              </a:solidFill>
+              <a:latin typeface="맑은 고딕" pitchFamily="50" charset="-127"/>
+              <a:ea typeface="맑은 고딕" pitchFamily="50" charset="-127"/>
+            </a:endParaRPr>
+          </a:p>
+          <a:p>
+            <a:pPr indent="-180000" defTabSz="540000" fontAlgn="auto">
               <a:lnSpc>
                 <a:spcPct val="100000"/>
               </a:lnSpc>
@@ -17004,7 +17037,7 @@
             </a:endParaRPr>
           </a:p>
           <a:p>
-            <a:pPr indent="-243610" defTabSz="540000" fontAlgn="auto">
+            <a:pPr indent="-180000" defTabSz="540000" fontAlgn="auto">
               <a:lnSpc>
                 <a:spcPct val="100000"/>
               </a:lnSpc>
@@ -17027,7 +17060,7 @@
             </a:endParaRPr>
           </a:p>
           <a:p>
-            <a:pPr indent="-243610" defTabSz="540000" fontAlgn="auto">
+            <a:pPr indent="-180000" defTabSz="540000" fontAlgn="auto">
               <a:lnSpc>
                 <a:spcPct val="100000"/>
               </a:lnSpc>
@@ -17050,7 +17083,7 @@
             </a:endParaRPr>
           </a:p>
           <a:p>
-            <a:pPr indent="-243610" defTabSz="540000" fontAlgn="auto">
+            <a:pPr indent="-180000" defTabSz="540000" fontAlgn="auto">
               <a:lnSpc>
                 <a:spcPct val="100000"/>
               </a:lnSpc>
@@ -17135,64 +17168,6 @@
           </a:p>
         </p:txBody>
       </p:sp>
-      <p:pic>
-        <p:nvPicPr>
-          <p:cNvPr id="17" name="그림 16"/>
-          <p:cNvPicPr>
-            <a:picLocks noChangeAspect="1"/>
-          </p:cNvPicPr>
-          <p:nvPr/>
-        </p:nvPicPr>
-        <p:blipFill>
-          <a:blip r:embed="rId4"/>
-          <a:stretch>
-            <a:fillRect/>
-          </a:stretch>
-        </p:blipFill>
-        <p:spPr>
-          <a:xfrm>
-            <a:off x="519926" y="2079162"/>
-            <a:ext cx="3704487" cy="2306567"/>
-          </a:xfrm>
-          <a:prstGeom prst="rect">
-            <a:avLst/>
-          </a:prstGeom>
-          <a:ln w="28575">
-            <a:solidFill>
-              <a:srgbClr val="00B0F0"/>
-            </a:solidFill>
-          </a:ln>
-        </p:spPr>
-      </p:pic>
-      <p:pic>
-        <p:nvPicPr>
-          <p:cNvPr id="18" name="그림 17"/>
-          <p:cNvPicPr>
-            <a:picLocks noChangeAspect="1"/>
-          </p:cNvPicPr>
-          <p:nvPr/>
-        </p:nvPicPr>
-        <p:blipFill>
-          <a:blip r:embed="rId5"/>
-          <a:stretch>
-            <a:fillRect/>
-          </a:stretch>
-        </p:blipFill>
-        <p:spPr>
-          <a:xfrm>
-            <a:off x="2069735" y="4466729"/>
-            <a:ext cx="5113483" cy="1691484"/>
-          </a:xfrm>
-          <a:prstGeom prst="rect">
-            <a:avLst/>
-          </a:prstGeom>
-          <a:ln w="28575">
-            <a:solidFill>
-              <a:srgbClr val="00B0F0"/>
-            </a:solidFill>
-          </a:ln>
-        </p:spPr>
-      </p:pic>
       <p:sp>
         <p:nvSpPr>
           <p:cNvPr id="31" name="타원 30"/>
@@ -17234,6 +17209,74 @@
           </a:p>
         </p:txBody>
       </p:sp>
+      <p:pic>
+        <p:nvPicPr>
+          <p:cNvPr id="6" name="그림 5"/>
+          <p:cNvPicPr>
+            <a:picLocks noChangeAspect="1"/>
+          </p:cNvPicPr>
+          <p:nvPr/>
+        </p:nvPicPr>
+        <p:blipFill rotWithShape="1">
+          <a:blip r:embed="rId4" cstate="screen">
+            <a:extLst>
+              <a:ext uri="{28A0092B-C50C-407E-A947-70E740481C1C}">
+                <a14:useLocalDpi xmlns:a14="http://schemas.microsoft.com/office/drawing/2010/main"/>
+              </a:ext>
+            </a:extLst>
+          </a:blip>
+          <a:srcRect/>
+          <a:stretch/>
+        </p:blipFill>
+        <p:spPr>
+          <a:xfrm>
+            <a:off x="621773" y="1833654"/>
+            <a:ext cx="3706707" cy="2533225"/>
+          </a:xfrm>
+          <a:prstGeom prst="rect">
+            <a:avLst/>
+          </a:prstGeom>
+          <a:ln w="28575">
+            <a:solidFill>
+              <a:srgbClr val="00B0F0"/>
+            </a:solidFill>
+          </a:ln>
+        </p:spPr>
+      </p:pic>
+      <p:pic>
+        <p:nvPicPr>
+          <p:cNvPr id="7" name="그림 6"/>
+          <p:cNvPicPr>
+            <a:picLocks noChangeAspect="1"/>
+          </p:cNvPicPr>
+          <p:nvPr/>
+        </p:nvPicPr>
+        <p:blipFill rotWithShape="1">
+          <a:blip r:embed="rId5" cstate="screen">
+            <a:extLst>
+              <a:ext uri="{28A0092B-C50C-407E-A947-70E740481C1C}">
+                <a14:useLocalDpi xmlns:a14="http://schemas.microsoft.com/office/drawing/2010/main"/>
+              </a:ext>
+            </a:extLst>
+          </a:blip>
+          <a:srcRect/>
+          <a:stretch/>
+        </p:blipFill>
+        <p:spPr>
+          <a:xfrm>
+            <a:off x="1983995" y="4481310"/>
+            <a:ext cx="5179415" cy="1750693"/>
+          </a:xfrm>
+          <a:prstGeom prst="rect">
+            <a:avLst/>
+          </a:prstGeom>
+          <a:ln w="28575">
+            <a:solidFill>
+              <a:srgbClr val="00B0F0"/>
+            </a:solidFill>
+          </a:ln>
+        </p:spPr>
+      </p:pic>
     </p:spTree>
     <p:extLst>
       <p:ext uri="{BB962C8B-B14F-4D97-AF65-F5344CB8AC3E}">
@@ -17273,22 +17316,27 @@
       </p:grpSpPr>
       <p:pic>
         <p:nvPicPr>
-          <p:cNvPr id="5" name="그림 4"/>
+          <p:cNvPr id="9" name="그림 8"/>
           <p:cNvPicPr>
             <a:picLocks noChangeAspect="1"/>
           </p:cNvPicPr>
           <p:nvPr/>
         </p:nvPicPr>
-        <p:blipFill>
-          <a:blip r:embed="rId3"/>
-          <a:stretch>
-            <a:fillRect/>
-          </a:stretch>
+        <p:blipFill rotWithShape="1">
+          <a:blip r:embed="rId3" cstate="screen">
+            <a:extLst>
+              <a:ext uri="{28A0092B-C50C-407E-A947-70E740481C1C}">
+                <a14:useLocalDpi xmlns:a14="http://schemas.microsoft.com/office/drawing/2010/main"/>
+              </a:ext>
+            </a:extLst>
+          </a:blip>
+          <a:srcRect/>
+          <a:stretch/>
         </p:blipFill>
         <p:spPr>
           <a:xfrm>
-            <a:off x="299519" y="1110281"/>
-            <a:ext cx="6907484" cy="4618972"/>
+            <a:off x="209343" y="1244150"/>
+            <a:ext cx="7084018" cy="4739722"/>
           </a:xfrm>
           <a:prstGeom prst="rect">
             <a:avLst/>
@@ -17316,11 +17364,7 @@
             </a:r>
             <a:r>
               <a:rPr lang="en-US" altLang="ko-KR" dirty="0" smtClean="0"/>
-              <a:t>– </a:t>
-            </a:r>
-            <a:r>
-              <a:rPr lang="en-US" altLang="ko-KR" dirty="0" smtClean="0"/>
-              <a:t>View Children</a:t>
+              <a:t>– View Children</a:t>
             </a:r>
             <a:endParaRPr lang="ko-KR" altLang="en-US" dirty="0"/>
           </a:p>
@@ -17391,7 +17435,7 @@
           <p:cNvPr id="15" name="TextBox 14">
             <a:extLst>
               <a:ext uri="{FF2B5EF4-FFF2-40B4-BE49-F238E27FC236}">
-                <a16:creationId xmlns="" xmlns:a16="http://schemas.microsoft.com/office/drawing/2014/main" id="{5A69657B-5773-41EF-98A0-8A9B15AF419B}"/>
+                <a16:creationId xmlns:a16="http://schemas.microsoft.com/office/drawing/2014/main" xmlns="" id="{5A69657B-5773-41EF-98A0-8A9B15AF419B}"/>
               </a:ext>
             </a:extLst>
           </p:cNvPr>
@@ -17680,6 +17724,22 @@
               </a:rPr>
               <a:t>)</a:t>
             </a:r>
+          </a:p>
+          <a:p>
+            <a:pPr indent="-243610" defTabSz="540000" fontAlgn="auto">
+              <a:lnSpc>
+                <a:spcPct val="100000"/>
+              </a:lnSpc>
+              <a:spcBef>
+                <a:spcPts val="0"/>
+              </a:spcBef>
+              <a:spcAft>
+                <a:spcPts val="0"/>
+              </a:spcAft>
+              <a:buClrTx/>
+              <a:buFont typeface="+mj-lt"/>
+              <a:buAutoNum type="arabicPeriod"/>
+            </a:pPr>
             <a:endParaRPr kumimoji="0" lang="en-US" altLang="ko-KR" sz="900" b="0" dirty="0" smtClean="0">
               <a:solidFill>
                 <a:srgbClr val="1A262F"/>
@@ -17689,7 +17749,90 @@
             </a:endParaRPr>
           </a:p>
           <a:p>
-            <a:pPr indent="-243610" defTabSz="540000" fontAlgn="auto">
+            <a:pPr indent="-180000" defTabSz="540000" fontAlgn="auto">
+              <a:lnSpc>
+                <a:spcPct val="100000"/>
+              </a:lnSpc>
+              <a:spcBef>
+                <a:spcPts val="0"/>
+              </a:spcBef>
+              <a:spcAft>
+                <a:spcPts val="0"/>
+              </a:spcAft>
+              <a:buClrTx/>
+              <a:buFont typeface="+mj-lt"/>
+              <a:buAutoNum type="arabicPeriod"/>
+            </a:pPr>
+            <a:r>
+              <a:rPr kumimoji="0" lang="ko-KR" altLang="en-US" sz="900" b="0" dirty="0" smtClean="0">
+                <a:solidFill>
+                  <a:srgbClr val="1A262F"/>
+                </a:solidFill>
+                <a:latin typeface="맑은 고딕" pitchFamily="50" charset="-127"/>
+                <a:ea typeface="맑은 고딕" pitchFamily="50" charset="-127"/>
+              </a:rPr>
+              <a:t>메뉴 선택 시</a:t>
+            </a:r>
+            <a:r>
+              <a:rPr kumimoji="0" lang="en-US" altLang="ko-KR" sz="900" b="0" dirty="0" smtClean="0">
+                <a:solidFill>
+                  <a:srgbClr val="1A262F"/>
+                </a:solidFill>
+                <a:latin typeface="맑은 고딕" pitchFamily="50" charset="-127"/>
+                <a:ea typeface="맑은 고딕" pitchFamily="50" charset="-127"/>
+              </a:rPr>
+              <a:t>, </a:t>
+            </a:r>
+            <a:r>
+              <a:rPr kumimoji="0" lang="ko-KR" altLang="en-US" sz="900" b="0" dirty="0" smtClean="0">
+                <a:solidFill>
+                  <a:srgbClr val="1A262F"/>
+                </a:solidFill>
+                <a:latin typeface="맑은 고딕" pitchFamily="50" charset="-127"/>
+                <a:ea typeface="맑은 고딕" pitchFamily="50" charset="-127"/>
+              </a:rPr>
+              <a:t>확인 하려고 하는 </a:t>
+            </a:r>
+            <a:r>
+              <a:rPr kumimoji="0" lang="en-US" altLang="ko-KR" sz="900" b="0" dirty="0" smtClean="0">
+                <a:solidFill>
+                  <a:srgbClr val="1A262F"/>
+                </a:solidFill>
+                <a:latin typeface="맑은 고딕" pitchFamily="50" charset="-127"/>
+                <a:ea typeface="맑은 고딕" pitchFamily="50" charset="-127"/>
+              </a:rPr>
+              <a:t>Type, Name </a:t>
+            </a:r>
+            <a:r>
+              <a:rPr kumimoji="0" lang="ko-KR" altLang="en-US" sz="900" b="0" dirty="0" smtClean="0">
+                <a:solidFill>
+                  <a:srgbClr val="1A262F"/>
+                </a:solidFill>
+                <a:latin typeface="맑은 고딕" pitchFamily="50" charset="-127"/>
+                <a:ea typeface="맑은 고딕" pitchFamily="50" charset="-127"/>
+              </a:rPr>
+              <a:t>을 입력 하는 창</a:t>
+            </a:r>
+            <a:r>
+              <a:rPr kumimoji="0" lang="en-US" altLang="ko-KR" sz="900" b="0" dirty="0" smtClean="0">
+                <a:solidFill>
+                  <a:srgbClr val="1A262F"/>
+                </a:solidFill>
+                <a:latin typeface="맑은 고딕" pitchFamily="50" charset="-127"/>
+                <a:ea typeface="맑은 고딕" pitchFamily="50" charset="-127"/>
+              </a:rPr>
+              <a:t>.</a:t>
+            </a:r>
+            <a:endParaRPr kumimoji="0" lang="en-US" altLang="ko-KR" sz="900" b="0" dirty="0">
+              <a:solidFill>
+                <a:srgbClr val="1A262F"/>
+              </a:solidFill>
+              <a:latin typeface="맑은 고딕" pitchFamily="50" charset="-127"/>
+              <a:ea typeface="맑은 고딕" pitchFamily="50" charset="-127"/>
+            </a:endParaRPr>
+          </a:p>
+          <a:p>
+            <a:pPr indent="-180000" defTabSz="540000" fontAlgn="auto">
               <a:lnSpc>
                 <a:spcPct val="100000"/>
               </a:lnSpc>
@@ -17712,7 +17855,7 @@
             </a:endParaRPr>
           </a:p>
           <a:p>
-            <a:pPr indent="-243610" defTabSz="540000" fontAlgn="auto">
+            <a:pPr indent="-180000" defTabSz="540000" fontAlgn="auto">
               <a:lnSpc>
                 <a:spcPct val="100000"/>
               </a:lnSpc>
@@ -17726,66 +17869,29 @@
               <a:buFont typeface="+mj-lt"/>
               <a:buAutoNum type="arabicPeriod"/>
             </a:pPr>
-            <a:r>
-              <a:rPr kumimoji="0" lang="ko-KR" altLang="en-US" sz="900" b="0" dirty="0" smtClean="0">
-                <a:solidFill>
-                  <a:srgbClr val="1A262F"/>
-                </a:solidFill>
-                <a:latin typeface="맑은 고딕" pitchFamily="50" charset="-127"/>
-                <a:ea typeface="맑은 고딕" pitchFamily="50" charset="-127"/>
-              </a:rPr>
-              <a:t>메뉴 선택 시</a:t>
-            </a:r>
-            <a:r>
-              <a:rPr kumimoji="0" lang="en-US" altLang="ko-KR" sz="900" b="0" dirty="0" smtClean="0">
-                <a:solidFill>
-                  <a:srgbClr val="1A262F"/>
-                </a:solidFill>
-                <a:latin typeface="맑은 고딕" pitchFamily="50" charset="-127"/>
-                <a:ea typeface="맑은 고딕" pitchFamily="50" charset="-127"/>
-              </a:rPr>
-              <a:t>, </a:t>
-            </a:r>
-            <a:r>
-              <a:rPr kumimoji="0" lang="ko-KR" altLang="en-US" sz="900" b="0" dirty="0" smtClean="0">
-                <a:solidFill>
-                  <a:srgbClr val="1A262F"/>
-                </a:solidFill>
-                <a:latin typeface="맑은 고딕" pitchFamily="50" charset="-127"/>
-                <a:ea typeface="맑은 고딕" pitchFamily="50" charset="-127"/>
-              </a:rPr>
-              <a:t>확인 하려고 하는 </a:t>
-            </a:r>
-            <a:r>
-              <a:rPr kumimoji="0" lang="en-US" altLang="ko-KR" sz="900" b="0" dirty="0" smtClean="0">
-                <a:solidFill>
-                  <a:srgbClr val="1A262F"/>
-                </a:solidFill>
-                <a:latin typeface="맑은 고딕" pitchFamily="50" charset="-127"/>
-                <a:ea typeface="맑은 고딕" pitchFamily="50" charset="-127"/>
-              </a:rPr>
-              <a:t>Type, Name </a:t>
-            </a:r>
-            <a:r>
-              <a:rPr kumimoji="0" lang="ko-KR" altLang="en-US" sz="900" b="0" dirty="0" smtClean="0">
-                <a:solidFill>
-                  <a:srgbClr val="1A262F"/>
-                </a:solidFill>
-                <a:latin typeface="맑은 고딕" pitchFamily="50" charset="-127"/>
-                <a:ea typeface="맑은 고딕" pitchFamily="50" charset="-127"/>
-              </a:rPr>
-              <a:t>을 입력 하는 창</a:t>
-            </a:r>
-            <a:r>
-              <a:rPr kumimoji="0" lang="en-US" altLang="ko-KR" sz="900" b="0" dirty="0" smtClean="0">
-                <a:solidFill>
-                  <a:srgbClr val="1A262F"/>
-                </a:solidFill>
-                <a:latin typeface="맑은 고딕" pitchFamily="50" charset="-127"/>
-                <a:ea typeface="맑은 고딕" pitchFamily="50" charset="-127"/>
-              </a:rPr>
-              <a:t>.</a:t>
-            </a:r>
+            <a:endParaRPr kumimoji="0" lang="en-US" altLang="ko-KR" sz="900" b="0" dirty="0" smtClean="0">
+              <a:solidFill>
+                <a:srgbClr val="1A262F"/>
+              </a:solidFill>
+              <a:latin typeface="맑은 고딕" pitchFamily="50" charset="-127"/>
+              <a:ea typeface="맑은 고딕" pitchFamily="50" charset="-127"/>
+            </a:endParaRPr>
+          </a:p>
+          <a:p>
+            <a:pPr indent="-180000" defTabSz="540000" fontAlgn="auto">
+              <a:lnSpc>
+                <a:spcPct val="100000"/>
+              </a:lnSpc>
+              <a:spcBef>
+                <a:spcPts val="0"/>
+              </a:spcBef>
+              <a:spcAft>
+                <a:spcPts val="0"/>
+              </a:spcAft>
+              <a:buClrTx/>
+              <a:buFont typeface="+mj-lt"/>
+              <a:buAutoNum type="arabicPeriod"/>
+            </a:pPr>
             <a:endParaRPr kumimoji="0" lang="en-US" altLang="ko-KR" sz="900" b="0" dirty="0">
               <a:solidFill>
                 <a:srgbClr val="1A262F"/>
@@ -17795,76 +17901,7 @@
             </a:endParaRPr>
           </a:p>
           <a:p>
-            <a:pPr indent="-243610" defTabSz="540000" fontAlgn="auto">
-              <a:lnSpc>
-                <a:spcPct val="100000"/>
-              </a:lnSpc>
-              <a:spcBef>
-                <a:spcPts val="0"/>
-              </a:spcBef>
-              <a:spcAft>
-                <a:spcPts val="0"/>
-              </a:spcAft>
-              <a:buClrTx/>
-              <a:buFont typeface="+mj-lt"/>
-              <a:buAutoNum type="arabicPeriod"/>
-            </a:pPr>
-            <a:endParaRPr kumimoji="0" lang="en-US" altLang="ko-KR" sz="900" b="0" dirty="0" smtClean="0">
-              <a:solidFill>
-                <a:srgbClr val="1A262F"/>
-              </a:solidFill>
-              <a:latin typeface="맑은 고딕" pitchFamily="50" charset="-127"/>
-              <a:ea typeface="맑은 고딕" pitchFamily="50" charset="-127"/>
-            </a:endParaRPr>
-          </a:p>
-          <a:p>
-            <a:pPr indent="-243610" defTabSz="540000" fontAlgn="auto">
-              <a:lnSpc>
-                <a:spcPct val="100000"/>
-              </a:lnSpc>
-              <a:spcBef>
-                <a:spcPts val="0"/>
-              </a:spcBef>
-              <a:spcAft>
-                <a:spcPts val="0"/>
-              </a:spcAft>
-              <a:buClrTx/>
-              <a:buFont typeface="+mj-lt"/>
-              <a:buAutoNum type="arabicPeriod"/>
-            </a:pPr>
-            <a:endParaRPr kumimoji="0" lang="en-US" altLang="ko-KR" sz="900" b="0" dirty="0" smtClean="0">
-              <a:solidFill>
-                <a:srgbClr val="1A262F"/>
-              </a:solidFill>
-              <a:latin typeface="맑은 고딕" pitchFamily="50" charset="-127"/>
-              <a:ea typeface="맑은 고딕" pitchFamily="50" charset="-127"/>
-            </a:endParaRPr>
-          </a:p>
-          <a:p>
-            <a:pPr indent="-243610" defTabSz="540000" fontAlgn="auto">
-              <a:lnSpc>
-                <a:spcPct val="100000"/>
-              </a:lnSpc>
-              <a:spcBef>
-                <a:spcPts val="0"/>
-              </a:spcBef>
-              <a:spcAft>
-                <a:spcPts val="0"/>
-              </a:spcAft>
-              <a:buClrTx/>
-              <a:buFont typeface="+mj-lt"/>
-              <a:buAutoNum type="arabicPeriod"/>
-            </a:pPr>
-            <a:endParaRPr kumimoji="0" lang="en-US" altLang="ko-KR" sz="900" b="0" dirty="0">
-              <a:solidFill>
-                <a:srgbClr val="1A262F"/>
-              </a:solidFill>
-              <a:latin typeface="맑은 고딕" pitchFamily="50" charset="-127"/>
-              <a:ea typeface="맑은 고딕" pitchFamily="50" charset="-127"/>
-            </a:endParaRPr>
-          </a:p>
-          <a:p>
-            <a:pPr indent="-243610" defTabSz="540000" fontAlgn="auto">
+            <a:pPr indent="-180000" defTabSz="540000" fontAlgn="auto">
               <a:lnSpc>
                 <a:spcPct val="100000"/>
               </a:lnSpc>
@@ -18069,64 +18106,6 @@
           </a:p>
         </p:txBody>
       </p:sp>
-      <p:pic>
-        <p:nvPicPr>
-          <p:cNvPr id="7" name="그림 6"/>
-          <p:cNvPicPr>
-            <a:picLocks noChangeAspect="1"/>
-          </p:cNvPicPr>
-          <p:nvPr/>
-        </p:nvPicPr>
-        <p:blipFill>
-          <a:blip r:embed="rId4"/>
-          <a:stretch>
-            <a:fillRect/>
-          </a:stretch>
-        </p:blipFill>
-        <p:spPr>
-          <a:xfrm>
-            <a:off x="1050601" y="3614011"/>
-            <a:ext cx="6150847" cy="2605914"/>
-          </a:xfrm>
-          <a:prstGeom prst="rect">
-            <a:avLst/>
-          </a:prstGeom>
-          <a:ln w="28575">
-            <a:solidFill>
-              <a:srgbClr val="00B0F0"/>
-            </a:solidFill>
-          </a:ln>
-        </p:spPr>
-      </p:pic>
-      <p:pic>
-        <p:nvPicPr>
-          <p:cNvPr id="6" name="그림 5"/>
-          <p:cNvPicPr>
-            <a:picLocks noChangeAspect="1"/>
-          </p:cNvPicPr>
-          <p:nvPr/>
-        </p:nvPicPr>
-        <p:blipFill>
-          <a:blip r:embed="rId5"/>
-          <a:stretch>
-            <a:fillRect/>
-          </a:stretch>
-        </p:blipFill>
-        <p:spPr>
-          <a:xfrm>
-            <a:off x="327036" y="2027886"/>
-            <a:ext cx="2140376" cy="1496312"/>
-          </a:xfrm>
-          <a:prstGeom prst="rect">
-            <a:avLst/>
-          </a:prstGeom>
-          <a:ln w="28575">
-            <a:solidFill>
-              <a:srgbClr val="00B0F0"/>
-            </a:solidFill>
-          </a:ln>
-        </p:spPr>
-      </p:pic>
       <p:sp>
         <p:nvSpPr>
           <p:cNvPr id="31" name="타원 30"/>
@@ -18135,7 +18114,7 @@
         </p:nvSpPr>
         <p:spPr bwMode="auto">
           <a:xfrm>
-            <a:off x="6904358" y="3314907"/>
+            <a:off x="6904358" y="3408040"/>
             <a:ext cx="273466" cy="273466"/>
           </a:xfrm>
           <a:prstGeom prst="ellipse">
@@ -18168,6 +18147,74 @@
           </a:p>
         </p:txBody>
       </p:sp>
+      <p:pic>
+        <p:nvPicPr>
+          <p:cNvPr id="10" name="그림 9"/>
+          <p:cNvPicPr>
+            <a:picLocks noChangeAspect="1"/>
+          </p:cNvPicPr>
+          <p:nvPr/>
+        </p:nvPicPr>
+        <p:blipFill rotWithShape="1">
+          <a:blip r:embed="rId4" cstate="screen">
+            <a:extLst>
+              <a:ext uri="{28A0092B-C50C-407E-A947-70E740481C1C}">
+                <a14:useLocalDpi xmlns:a14="http://schemas.microsoft.com/office/drawing/2010/main"/>
+              </a:ext>
+            </a:extLst>
+          </a:blip>
+          <a:srcRect/>
+          <a:stretch/>
+        </p:blipFill>
+        <p:spPr>
+          <a:xfrm>
+            <a:off x="620904" y="1715563"/>
+            <a:ext cx="2519868" cy="1844901"/>
+          </a:xfrm>
+          <a:prstGeom prst="rect">
+            <a:avLst/>
+          </a:prstGeom>
+          <a:ln w="28575">
+            <a:solidFill>
+              <a:srgbClr val="00B0F0"/>
+            </a:solidFill>
+          </a:ln>
+        </p:spPr>
+      </p:pic>
+      <p:pic>
+        <p:nvPicPr>
+          <p:cNvPr id="11" name="그림 10"/>
+          <p:cNvPicPr>
+            <a:picLocks noChangeAspect="1"/>
+          </p:cNvPicPr>
+          <p:nvPr/>
+        </p:nvPicPr>
+        <p:blipFill rotWithShape="1">
+          <a:blip r:embed="rId5" cstate="screen">
+            <a:extLst>
+              <a:ext uri="{28A0092B-C50C-407E-A947-70E740481C1C}">
+                <a14:useLocalDpi xmlns:a14="http://schemas.microsoft.com/office/drawing/2010/main"/>
+              </a:ext>
+            </a:extLst>
+          </a:blip>
+          <a:srcRect/>
+          <a:stretch/>
+        </p:blipFill>
+        <p:spPr>
+          <a:xfrm>
+            <a:off x="906732" y="3707941"/>
+            <a:ext cx="6419256" cy="2512091"/>
+          </a:xfrm>
+          <a:prstGeom prst="rect">
+            <a:avLst/>
+          </a:prstGeom>
+          <a:ln w="28575">
+            <a:solidFill>
+              <a:srgbClr val="00B0F0"/>
+            </a:solidFill>
+          </a:ln>
+        </p:spPr>
+      </p:pic>
     </p:spTree>
     <p:extLst>
       <p:ext uri="{BB962C8B-B14F-4D97-AF65-F5344CB8AC3E}">
@@ -18207,22 +18254,27 @@
       </p:grpSpPr>
       <p:pic>
         <p:nvPicPr>
-          <p:cNvPr id="5" name="그림 4"/>
+          <p:cNvPr id="6" name="그림 5"/>
           <p:cNvPicPr>
             <a:picLocks noChangeAspect="1"/>
           </p:cNvPicPr>
           <p:nvPr/>
         </p:nvPicPr>
-        <p:blipFill>
-          <a:blip r:embed="rId3"/>
-          <a:stretch>
-            <a:fillRect/>
-          </a:stretch>
+        <p:blipFill rotWithShape="1">
+          <a:blip r:embed="rId3" cstate="screen">
+            <a:extLst>
+              <a:ext uri="{28A0092B-C50C-407E-A947-70E740481C1C}">
+                <a14:useLocalDpi xmlns:a14="http://schemas.microsoft.com/office/drawing/2010/main"/>
+              </a:ext>
+            </a:extLst>
+          </a:blip>
+          <a:srcRect/>
+          <a:stretch/>
         </p:blipFill>
         <p:spPr>
           <a:xfrm>
-            <a:off x="299519" y="1117708"/>
-            <a:ext cx="6964298" cy="4656567"/>
+            <a:off x="239659" y="1131587"/>
+            <a:ext cx="7084018" cy="4730408"/>
           </a:xfrm>
           <a:prstGeom prst="rect">
             <a:avLst/>
@@ -18317,7 +18369,7 @@
           <p:cNvPr id="15" name="TextBox 14">
             <a:extLst>
               <a:ext uri="{FF2B5EF4-FFF2-40B4-BE49-F238E27FC236}">
-                <a16:creationId xmlns="" xmlns:a16="http://schemas.microsoft.com/office/drawing/2014/main" id="{5A69657B-5773-41EF-98A0-8A9B15AF419B}"/>
+                <a16:creationId xmlns:a16="http://schemas.microsoft.com/office/drawing/2014/main" xmlns="" id="{5A69657B-5773-41EF-98A0-8A9B15AF419B}"/>
               </a:ext>
             </a:extLst>
           </p:cNvPr>
@@ -19051,66 +19103,24 @@
               <a:buNone/>
             </a:pPr>
             <a:r>
-              <a:rPr kumimoji="0" lang="ko-KR" altLang="en-US" sz="900" b="0" dirty="0" smtClean="0">
-                <a:solidFill>
-                  <a:srgbClr val="1A262F"/>
-                </a:solidFill>
-                <a:latin typeface="맑은 고딕" pitchFamily="50" charset="-127"/>
-                <a:ea typeface="맑은 고딕" pitchFamily="50" charset="-127"/>
-              </a:rPr>
-              <a:t>기타</a:t>
-            </a:r>
-            <a:endParaRPr kumimoji="0" lang="en-US" altLang="ko-KR" sz="900" b="0" dirty="0">
-              <a:solidFill>
-                <a:srgbClr val="1A262F"/>
-              </a:solidFill>
-              <a:latin typeface="맑은 고딕" pitchFamily="50" charset="-127"/>
-              <a:ea typeface="맑은 고딕" pitchFamily="50" charset="-127"/>
-            </a:endParaRPr>
-          </a:p>
-          <a:p>
-            <a:pPr defTabSz="540000" fontAlgn="auto">
-              <a:lnSpc>
-                <a:spcPct val="100000"/>
-              </a:lnSpc>
-              <a:spcBef>
-                <a:spcPts val="0"/>
-              </a:spcBef>
-              <a:spcAft>
-                <a:spcPts val="0"/>
-              </a:spcAft>
-              <a:buClrTx/>
-              <a:buNone/>
-            </a:pPr>
-            <a:r>
-              <a:rPr kumimoji="0" lang="en-US" altLang="ko-KR" sz="900" b="0" dirty="0" smtClean="0">
-                <a:solidFill>
-                  <a:srgbClr val="1A262F"/>
-                </a:solidFill>
-                <a:latin typeface="맑은 고딕" pitchFamily="50" charset="-127"/>
-                <a:ea typeface="맑은 고딕" pitchFamily="50" charset="-127"/>
-              </a:rPr>
-              <a:t>   - 2, 4</a:t>
-            </a:r>
-            <a:r>
-              <a:rPr kumimoji="0" lang="ko-KR" altLang="en-US" sz="900" b="0" dirty="0" smtClean="0">
-                <a:solidFill>
-                  <a:srgbClr val="1A262F"/>
-                </a:solidFill>
-                <a:latin typeface="맑은 고딕" pitchFamily="50" charset="-127"/>
-                <a:ea typeface="맑은 고딕" pitchFamily="50" charset="-127"/>
-              </a:rPr>
-              <a:t>번 바로 하단에 </a:t>
-            </a:r>
-            <a:r>
-              <a:rPr kumimoji="0" lang="en-US" altLang="ko-KR" sz="900" b="0" dirty="0" smtClean="0">
-                <a:solidFill>
-                  <a:srgbClr val="1A262F"/>
-                </a:solidFill>
-                <a:latin typeface="맑은 고딕" pitchFamily="50" charset="-127"/>
-                <a:ea typeface="맑은 고딕" pitchFamily="50" charset="-127"/>
-              </a:rPr>
-              <a:t>Progress Bar </a:t>
+              <a:rPr kumimoji="0" lang="en-US" altLang="ko-KR" sz="900" b="0" dirty="0" smtClean="0">
+                <a:solidFill>
+                  <a:srgbClr val="1A262F"/>
+                </a:solidFill>
+                <a:latin typeface="맑은 고딕" pitchFamily="50" charset="-127"/>
+                <a:ea typeface="맑은 고딕" pitchFamily="50" charset="-127"/>
+              </a:rPr>
+              <a:t>5. Progress </a:t>
+            </a:r>
+            <a:r>
+              <a:rPr kumimoji="0" lang="en-US" altLang="ko-KR" sz="900" b="0" dirty="0" smtClean="0">
+                <a:solidFill>
+                  <a:srgbClr val="1A262F"/>
+                </a:solidFill>
+                <a:latin typeface="맑은 고딕" pitchFamily="50" charset="-127"/>
+                <a:ea typeface="맑은 고딕" pitchFamily="50" charset="-127"/>
+              </a:rPr>
+              <a:t>Bar </a:t>
             </a:r>
             <a:r>
               <a:rPr kumimoji="0" lang="ko-KR" altLang="en-US" sz="900" b="0" dirty="0" smtClean="0">
@@ -19223,7 +19233,7 @@
         </p:nvSpPr>
         <p:spPr bwMode="auto">
           <a:xfrm>
-            <a:off x="1974078" y="1218204"/>
+            <a:off x="1319905" y="1235137"/>
             <a:ext cx="273466" cy="273466"/>
           </a:xfrm>
           <a:prstGeom prst="ellipse">
@@ -19264,8 +19274,8 @@
         </p:nvSpPr>
         <p:spPr bwMode="auto">
           <a:xfrm>
-            <a:off x="440122" y="1491266"/>
-            <a:ext cx="1807422" cy="210916"/>
+            <a:off x="1331633" y="1508199"/>
+            <a:ext cx="300813" cy="210916"/>
           </a:xfrm>
           <a:prstGeom prst="roundRect">
             <a:avLst/>
@@ -19291,14 +19301,14 @@
       </p:sp>
       <p:sp>
         <p:nvSpPr>
-          <p:cNvPr id="16" name="모서리가 둥근 직사각형 15"/>
+          <p:cNvPr id="17" name="모서리가 둥근 직사각형 16"/>
           <p:cNvSpPr/>
           <p:nvPr/>
         </p:nvSpPr>
         <p:spPr bwMode="auto">
           <a:xfrm>
-            <a:off x="2369238" y="1491266"/>
-            <a:ext cx="279960" cy="210916"/>
+            <a:off x="1632446" y="1508199"/>
+            <a:ext cx="1863480" cy="210916"/>
           </a:xfrm>
           <a:prstGeom prst="roundRect">
             <a:avLst/>
@@ -19324,14 +19334,14 @@
       </p:sp>
       <p:sp>
         <p:nvSpPr>
-          <p:cNvPr id="18" name="모서리가 둥근 직사각형 17"/>
+          <p:cNvPr id="23" name="모서리가 둥근 직사각형 22"/>
           <p:cNvSpPr/>
           <p:nvPr/>
         </p:nvSpPr>
         <p:spPr bwMode="auto">
           <a:xfrm>
-            <a:off x="440122" y="1724966"/>
-            <a:ext cx="1807422" cy="191742"/>
+            <a:off x="3489131" y="1508199"/>
+            <a:ext cx="248605" cy="210916"/>
           </a:xfrm>
           <a:prstGeom prst="roundRect">
             <a:avLst/>
@@ -19357,14 +19367,14 @@
       </p:sp>
       <p:sp>
         <p:nvSpPr>
-          <p:cNvPr id="19" name="모서리가 둥근 직사각형 18"/>
+          <p:cNvPr id="25" name="모서리가 둥근 직사각형 24"/>
           <p:cNvSpPr/>
           <p:nvPr/>
         </p:nvSpPr>
         <p:spPr bwMode="auto">
           <a:xfrm>
-            <a:off x="2369238" y="1706838"/>
-            <a:ext cx="279960" cy="209870"/>
+            <a:off x="3734264" y="1508199"/>
+            <a:ext cx="248605" cy="210916"/>
           </a:xfrm>
           <a:prstGeom prst="roundRect">
             <a:avLst/>
@@ -19390,13 +19400,13 @@
       </p:sp>
       <p:sp>
         <p:nvSpPr>
-          <p:cNvPr id="20" name="타원 19"/>
+          <p:cNvPr id="26" name="타원 25"/>
           <p:cNvSpPr/>
           <p:nvPr/>
         </p:nvSpPr>
         <p:spPr bwMode="auto">
           <a:xfrm>
-            <a:off x="2367327" y="1211580"/>
+            <a:off x="1697055" y="1235137"/>
             <a:ext cx="273466" cy="273466"/>
           </a:xfrm>
           <a:prstGeom prst="ellipse">
@@ -19423,7 +19433,7 @@
             </a:pPr>
             <a:r>
               <a:rPr lang="en-US" altLang="ko-KR" dirty="0" smtClean="0"/>
-              <a:t>3</a:t>
+              <a:t>2</a:t>
             </a:r>
             <a:endParaRPr lang="ko-KR" altLang="en-US" dirty="0"/>
           </a:p>
@@ -19431,13 +19441,13 @@
       </p:sp>
       <p:sp>
         <p:nvSpPr>
-          <p:cNvPr id="21" name="타원 20"/>
+          <p:cNvPr id="27" name="타원 26"/>
           <p:cNvSpPr/>
           <p:nvPr/>
         </p:nvSpPr>
         <p:spPr bwMode="auto">
           <a:xfrm>
-            <a:off x="1974078" y="1916708"/>
+            <a:off x="3467052" y="1235137"/>
             <a:ext cx="273466" cy="273466"/>
           </a:xfrm>
           <a:prstGeom prst="ellipse">
@@ -19464,7 +19474,7 @@
             </a:pPr>
             <a:r>
               <a:rPr lang="en-US" altLang="ko-KR" dirty="0" smtClean="0"/>
-              <a:t>2</a:t>
+              <a:t>3</a:t>
             </a:r>
             <a:endParaRPr lang="ko-KR" altLang="en-US" dirty="0"/>
           </a:p>
@@ -19472,13 +19482,13 @@
       </p:sp>
       <p:sp>
         <p:nvSpPr>
-          <p:cNvPr id="22" name="타원 21"/>
+          <p:cNvPr id="28" name="타원 27"/>
           <p:cNvSpPr/>
           <p:nvPr/>
         </p:nvSpPr>
         <p:spPr bwMode="auto">
           <a:xfrm>
-            <a:off x="2367327" y="1917752"/>
+            <a:off x="3759815" y="1235137"/>
             <a:ext cx="273466" cy="273466"/>
           </a:xfrm>
           <a:prstGeom prst="ellipse">
@@ -19506,6 +19516,80 @@
             <a:r>
               <a:rPr lang="en-US" altLang="ko-KR" dirty="0" smtClean="0"/>
               <a:t>4</a:t>
+            </a:r>
+            <a:endParaRPr lang="ko-KR" altLang="en-US" dirty="0"/>
+          </a:p>
+        </p:txBody>
+      </p:sp>
+      <p:sp>
+        <p:nvSpPr>
+          <p:cNvPr id="29" name="모서리가 둥근 직사각형 28"/>
+          <p:cNvSpPr/>
+          <p:nvPr/>
+        </p:nvSpPr>
+        <p:spPr bwMode="auto">
+          <a:xfrm>
+            <a:off x="1171300" y="1880690"/>
+            <a:ext cx="5229499" cy="171616"/>
+          </a:xfrm>
+          <a:prstGeom prst="roundRect">
+            <a:avLst/>
+          </a:prstGeom>
+          <a:noFill/>
+          <a:ln w="28575">
+            <a:solidFill>
+              <a:srgbClr val="00B0F0"/>
+            </a:solidFill>
+            <a:round/>
+            <a:headEnd/>
+            <a:tailEnd/>
+          </a:ln>
+        </p:spPr>
+        <p:txBody>
+          <a:bodyPr rtlCol="0" anchor="ctr"/>
+          <a:lstStyle/>
+          <a:p>
+            <a:pPr algn="ctr"/>
+            <a:endParaRPr lang="ko-KR" altLang="en-US"/>
+          </a:p>
+        </p:txBody>
+      </p:sp>
+      <p:sp>
+        <p:nvSpPr>
+          <p:cNvPr id="30" name="타원 29"/>
+          <p:cNvSpPr/>
+          <p:nvPr/>
+        </p:nvSpPr>
+        <p:spPr bwMode="auto">
+          <a:xfrm>
+            <a:off x="4029152" y="1612153"/>
+            <a:ext cx="273466" cy="273466"/>
+          </a:xfrm>
+          <a:prstGeom prst="ellipse">
+            <a:avLst/>
+          </a:prstGeom>
+          <a:solidFill>
+            <a:schemeClr val="bg1"/>
+          </a:solidFill>
+          <a:ln w="28575">
+            <a:solidFill>
+              <a:srgbClr val="00B0F0"/>
+            </a:solidFill>
+            <a:round/>
+            <a:headEnd/>
+            <a:tailEnd/>
+          </a:ln>
+        </p:spPr>
+        <p:txBody>
+          <a:bodyPr rtlCol="0" anchor="ctr"/>
+          <a:lstStyle/>
+          <a:p>
+            <a:pPr algn="ctr">
+              <a:buNone/>
+            </a:pPr>
+            <a:r>
+              <a:rPr lang="en-US" altLang="ko-KR" dirty="0" smtClean="0"/>
+              <a:t>5</a:t>
             </a:r>
             <a:endParaRPr lang="ko-KR" altLang="en-US" dirty="0"/>
           </a:p>
